--- a/docs/Herramienta AFM.pptx
+++ b/docs/Herramienta AFM.pptx
@@ -1,19 +1,19 @@
 
 <file path=ppt/presentation.xml><?xml version="1.0" encoding="utf-8"?>
-<p:presentation xmlns:a="http://schemas.openxmlformats.org/drawingml/2006/main" xmlns:r="http://schemas.openxmlformats.org/officeDocument/2006/relationships" xmlns:p="http://schemas.openxmlformats.org/presentationml/2006/main" xmlns:m="http://schemas.openxmlformats.org/officeDocument/2006/math" xmlns:a14="http://schemas.microsoft.com/office/drawing/2010/main">
+<p:presentation xmlns:a="http://schemas.openxmlformats.org/drawingml/2006/main" xmlns:r="http://schemas.openxmlformats.org/officeDocument/2006/relationships" xmlns:p="http://schemas.openxmlformats.org/presentationml/2006/main">
   <p:sldMasterIdLst>
-    <p:sldMasterId id="2147483648" r:id="rId5"/>
+    <p:sldMasterId id="2147483648" r:id="rId1"/>
   </p:sldMasterIdLst>
   <p:notesMasterIdLst>
-    <p:notesMasterId r:id="rId7"/>
+    <p:notesMasterId r:id="rId8"/>
   </p:notesMasterIdLst>
   <p:sldIdLst>
-    <p:sldId id="256" r:id="rId8"/>
-    <p:sldId id="257" r:id="rId9"/>
-    <p:sldId id="258" r:id="rId10"/>
-    <p:sldId id="259" r:id="rId11"/>
-    <p:sldId id="260" r:id="rId12"/>
-    <p:sldId id="261" r:id="rId13"/>
+    <p:sldId id="256" r:id="rId2"/>
+    <p:sldId id="257" r:id="rId3"/>
+    <p:sldId id="258" r:id="rId4"/>
+    <p:sldId id="259" r:id="rId5"/>
+    <p:sldId id="260" r:id="rId6"/>
+    <p:sldId id="261" r:id="rId7"/>
   </p:sldIdLst>
   <p:sldSz cx="12192000" cy="6858000"/>
   <p:notesSz cx="6858000" cy="9144000"/>
@@ -33,7 +33,7 @@
       <a:buFontTx/>
       <a:buNone/>
       <a:tabLst/>
-      <a:defRPr b="0" baseline="0" cap="none" i="0" spc="0" strike="noStrike" sz="1800" u="none" kumimoji="0" normalizeH="0">
+      <a:defRPr kumimoji="0" sz="1800" b="0" i="0" u="none" strike="noStrike" cap="none" spc="0" normalizeH="0" baseline="0">
         <a:ln>
           <a:noFill/>
         </a:ln>
@@ -59,7 +59,7 @@
       <a:buFontTx/>
       <a:buNone/>
       <a:tabLst/>
-      <a:defRPr b="0" baseline="0" cap="none" i="0" spc="0" strike="noStrike" sz="1800" u="none" kumimoji="0" normalizeH="0">
+      <a:defRPr kumimoji="0" sz="1800" b="0" i="0" u="none" strike="noStrike" cap="none" spc="0" normalizeH="0" baseline="0">
         <a:ln>
           <a:noFill/>
         </a:ln>
@@ -89,7 +89,7 @@
       <a:buFontTx/>
       <a:buNone/>
       <a:tabLst/>
-      <a:defRPr b="0" baseline="0" cap="none" i="0" spc="0" strike="noStrike" sz="1800" u="none" kumimoji="0" normalizeH="0">
+      <a:defRPr kumimoji="0" sz="1800" b="0" i="0" u="none" strike="noStrike" cap="none" spc="0" normalizeH="0" baseline="0">
         <a:ln>
           <a:noFill/>
         </a:ln>
@@ -119,7 +119,7 @@
       <a:buFontTx/>
       <a:buNone/>
       <a:tabLst/>
-      <a:defRPr b="0" baseline="0" cap="none" i="0" spc="0" strike="noStrike" sz="1800" u="none" kumimoji="0" normalizeH="0">
+      <a:defRPr kumimoji="0" sz="1800" b="0" i="0" u="none" strike="noStrike" cap="none" spc="0" normalizeH="0" baseline="0">
         <a:ln>
           <a:noFill/>
         </a:ln>
@@ -149,7 +149,7 @@
       <a:buFontTx/>
       <a:buNone/>
       <a:tabLst/>
-      <a:defRPr b="0" baseline="0" cap="none" i="0" spc="0" strike="noStrike" sz="1800" u="none" kumimoji="0" normalizeH="0">
+      <a:defRPr kumimoji="0" sz="1800" b="0" i="0" u="none" strike="noStrike" cap="none" spc="0" normalizeH="0" baseline="0">
         <a:ln>
           <a:noFill/>
         </a:ln>
@@ -179,7 +179,7 @@
       <a:buFontTx/>
       <a:buNone/>
       <a:tabLst/>
-      <a:defRPr b="0" baseline="0" cap="none" i="0" spc="0" strike="noStrike" sz="1800" u="none" kumimoji="0" normalizeH="0">
+      <a:defRPr kumimoji="0" sz="1800" b="0" i="0" u="none" strike="noStrike" cap="none" spc="0" normalizeH="0" baseline="0">
         <a:ln>
           <a:noFill/>
         </a:ln>
@@ -209,7 +209,7 @@
       <a:buFontTx/>
       <a:buNone/>
       <a:tabLst/>
-      <a:defRPr b="0" baseline="0" cap="none" i="0" spc="0" strike="noStrike" sz="1800" u="none" kumimoji="0" normalizeH="0">
+      <a:defRPr kumimoji="0" sz="1800" b="0" i="0" u="none" strike="noStrike" cap="none" spc="0" normalizeH="0" baseline="0">
         <a:ln>
           <a:noFill/>
         </a:ln>
@@ -239,7 +239,7 @@
       <a:buFontTx/>
       <a:buNone/>
       <a:tabLst/>
-      <a:defRPr b="0" baseline="0" cap="none" i="0" spc="0" strike="noStrike" sz="1800" u="none" kumimoji="0" normalizeH="0">
+      <a:defRPr kumimoji="0" sz="1800" b="0" i="0" u="none" strike="noStrike" cap="none" spc="0" normalizeH="0" baseline="0">
         <a:ln>
           <a:noFill/>
         </a:ln>
@@ -269,7 +269,7 @@
       <a:buFontTx/>
       <a:buNone/>
       <a:tabLst/>
-      <a:defRPr b="0" baseline="0" cap="none" i="0" spc="0" strike="noStrike" sz="1800" u="none" kumimoji="0" normalizeH="0">
+      <a:defRPr kumimoji="0" sz="1800" b="0" i="0" u="none" strike="noStrike" cap="none" spc="0" normalizeH="0" baseline="0">
         <a:ln>
           <a:noFill/>
         </a:ln>
@@ -299,7 +299,7 @@
       <a:buFontTx/>
       <a:buNone/>
       <a:tabLst/>
-      <a:defRPr b="0" baseline="0" cap="none" i="0" spc="0" strike="noStrike" sz="1800" u="none" kumimoji="0" normalizeH="0">
+      <a:defRPr kumimoji="0" sz="1800" b="0" i="0" u="none" strike="noStrike" cap="none" spc="0" normalizeH="0" baseline="0">
         <a:ln>
           <a:noFill/>
         </a:ln>
@@ -318,13 +318,14 @@
 </p:presentation>
 </file>
 
-<file path=ppt/commentAuthors.xml><?xml version="1.0" encoding="utf-8"?>
-<p:cmAuthorLst xmlns:a="http://schemas.openxmlformats.org/drawingml/2006/main" xmlns:r="http://schemas.openxmlformats.org/officeDocument/2006/relationships" xmlns:p="http://schemas.openxmlformats.org/presentationml/2006/main" xmlns:m="http://schemas.openxmlformats.org/officeDocument/2006/math" xmlns:a14="http://schemas.microsoft.com/office/drawing/2010/main"/>
-</file>
-
 <file path=ppt/notesMasters/notesMaster1.xml><?xml version="1.0" encoding="utf-8"?>
-<p:notesMaster xmlns:a="http://schemas.openxmlformats.org/drawingml/2006/main" xmlns:r="http://schemas.openxmlformats.org/officeDocument/2006/relationships" xmlns:p="http://schemas.openxmlformats.org/presentationml/2006/main" xmlns:m="http://schemas.openxmlformats.org/officeDocument/2006/math" xmlns:a14="http://schemas.microsoft.com/office/drawing/2010/main">
+<p:notesMaster xmlns:a="http://schemas.openxmlformats.org/drawingml/2006/main" xmlns:r="http://schemas.openxmlformats.org/officeDocument/2006/relationships" xmlns:p="http://schemas.openxmlformats.org/presentationml/2006/main">
   <p:cSld>
+    <p:bg>
+      <p:bgRef idx="1001">
+        <a:schemeClr val="bg1"/>
+      </p:bgRef>
+    </p:bg>
     <p:spTree>
       <p:nvGrpSpPr>
         <p:cNvPr id="1" name=""/>
@@ -342,7 +343,9 @@
       <p:sp>
         <p:nvSpPr>
           <p:cNvPr id="109" name="Shape 109"/>
-          <p:cNvSpPr/>
+          <p:cNvSpPr>
+            <a:spLocks noGrp="1" noRot="1" noChangeAspect="1"/>
+          </p:cNvSpPr>
           <p:nvPr>
             <p:ph type="sldImg"/>
           </p:nvPr>
@@ -360,14 +363,16 @@
           <a:bodyPr/>
           <a:lstStyle/>
           <a:p>
-            <a:pPr/>
+            <a:endParaRPr/>
           </a:p>
         </p:txBody>
       </p:sp>
       <p:sp>
         <p:nvSpPr>
           <p:cNvPr id="110" name="Shape 110"/>
-          <p:cNvSpPr/>
+          <p:cNvSpPr>
+            <a:spLocks noGrp="1"/>
+          </p:cNvSpPr>
           <p:nvPr>
             <p:ph type="body" sz="quarter" idx="1"/>
           </p:nvPr>
@@ -385,7 +390,7 @@
           <a:bodyPr/>
           <a:lstStyle/>
           <a:p>
-            <a:pPr/>
+            <a:endParaRPr/>
           </a:p>
         </p:txBody>
       </p:sp>
@@ -470,17 +475,18 @@
 </file>
 
 <file path=ppt/slideLayouts/slideLayout1.xml><?xml version="1.0" encoding="utf-8"?>
-<p:sldLayout xmlns:a="http://schemas.openxmlformats.org/drawingml/2006/main" xmlns:r="http://schemas.openxmlformats.org/officeDocument/2006/relationships" xmlns:p="http://schemas.openxmlformats.org/presentationml/2006/main" xmlns:m="http://schemas.openxmlformats.org/officeDocument/2006/math" xmlns:a14="http://schemas.microsoft.com/office/drawing/2010/main" type="title" showMasterSp="1" showMasterPhAnim="1">
+<p:sldLayout xmlns:a="http://schemas.openxmlformats.org/drawingml/2006/main" xmlns:r="http://schemas.openxmlformats.org/officeDocument/2006/relationships" xmlns:p="http://schemas.openxmlformats.org/presentationml/2006/main" type="title">
   <p:cSld name="Diapositiva de título">
     <p:bg>
       <p:bgPr>
         <a:blipFill rotWithShape="1">
           <a:blip r:embed="rId2"/>
-          <a:srcRect l="0" t="0" r="0" b="0"/>
+          <a:srcRect/>
           <a:stretch>
             <a:fillRect/>
           </a:stretch>
         </a:blipFill>
+        <a:effectLst/>
       </p:bgPr>
     </p:bg>
     <p:spTree>
@@ -500,7 +506,9 @@
       <p:sp>
         <p:nvSpPr>
           <p:cNvPr id="11" name="Texto del título"/>
-          <p:cNvSpPr txBox="1"/>
+          <p:cNvSpPr txBox="1">
+            <a:spLocks noGrp="1"/>
+          </p:cNvSpPr>
           <p:nvPr>
             <p:ph type="title"/>
           </p:nvPr>
@@ -529,7 +537,6 @@
             </a:lvl1pPr>
           </a:lstStyle>
           <a:p>
-            <a:pPr/>
             <a:r>
               <a:t>Texto del título</a:t>
             </a:r>
@@ -539,7 +546,9 @@
       <p:sp>
         <p:nvSpPr>
           <p:cNvPr id="12" name="Nivel de texto 1…"/>
-          <p:cNvSpPr txBox="1"/>
+          <p:cNvSpPr txBox="1">
+            <a:spLocks noGrp="1"/>
+          </p:cNvSpPr>
           <p:nvPr>
             <p:ph type="body" sz="quarter" idx="1"/>
           </p:nvPr>
@@ -588,7 +597,6 @@
             </a:lvl5pPr>
           </a:lstStyle>
           <a:p>
-            <a:pPr/>
             <a:r>
               <a:t>Nivel de texto 1</a:t>
             </a:r>
@@ -622,7 +630,9 @@
       <p:sp>
         <p:nvSpPr>
           <p:cNvPr id="13" name="Número de diapositiva"/>
-          <p:cNvSpPr txBox="1"/>
+          <p:cNvSpPr txBox="1">
+            <a:spLocks noGrp="1"/>
+          </p:cNvSpPr>
           <p:nvPr>
             <p:ph type="sldNum" sz="quarter" idx="2"/>
           </p:nvPr>
@@ -636,8 +646,10 @@
           <a:bodyPr/>
           <a:lstStyle/>
           <a:p>
-            <a:pPr/>
-            <a:fld id="{86CB4B4D-7CA3-9044-876B-883B54F8677D}" type="slidenum"/>
+            <a:fld id="{86CB4B4D-7CA3-9044-876B-883B54F8677D}" type="slidenum">
+              <a:t>‹Nº›</a:t>
+            </a:fld>
+            <a:endParaRPr/>
           </a:p>
         </p:txBody>
       </p:sp>
@@ -646,12 +658,12 @@
   <p:clrMapOvr>
     <a:masterClrMapping/>
   </p:clrMapOvr>
-  <p:transition xmlns:p14="http://schemas.microsoft.com/office/powerpoint/2010/main" spd="med" advClick="1"/>
+  <p:transition spd="med"/>
 </p:sldLayout>
 </file>
 
 <file path=ppt/slideLayouts/slideLayout10.xml><?xml version="1.0" encoding="utf-8"?>
-<p:sldLayout xmlns:a="http://schemas.openxmlformats.org/drawingml/2006/main" xmlns:r="http://schemas.openxmlformats.org/officeDocument/2006/relationships" xmlns:p="http://schemas.openxmlformats.org/presentationml/2006/main" xmlns:m="http://schemas.openxmlformats.org/officeDocument/2006/math" xmlns:a14="http://schemas.microsoft.com/office/drawing/2010/main" type="tx" showMasterSp="1" showMasterPhAnim="1">
+<p:sldLayout xmlns:a="http://schemas.openxmlformats.org/drawingml/2006/main" xmlns:r="http://schemas.openxmlformats.org/officeDocument/2006/relationships" xmlns:p="http://schemas.openxmlformats.org/presentationml/2006/main" type="tx">
   <p:cSld name="Título y texto vertical">
     <p:spTree>
       <p:nvGrpSpPr>
@@ -670,7 +682,9 @@
       <p:sp>
         <p:nvSpPr>
           <p:cNvPr id="92" name="Texto del título"/>
-          <p:cNvSpPr txBox="1"/>
+          <p:cNvSpPr txBox="1">
+            <a:spLocks noGrp="1"/>
+          </p:cNvSpPr>
           <p:nvPr>
             <p:ph type="title"/>
           </p:nvPr>
@@ -684,7 +698,6 @@
           <a:bodyPr/>
           <a:lstStyle/>
           <a:p>
-            <a:pPr/>
             <a:r>
               <a:t>Texto del título</a:t>
             </a:r>
@@ -694,7 +707,9 @@
       <p:sp>
         <p:nvSpPr>
           <p:cNvPr id="93" name="Nivel de texto 1…"/>
-          <p:cNvSpPr txBox="1"/>
+          <p:cNvSpPr txBox="1">
+            <a:spLocks noGrp="1"/>
+          </p:cNvSpPr>
           <p:nvPr>
             <p:ph type="body" idx="1"/>
           </p:nvPr>
@@ -712,7 +727,6 @@
           <a:bodyPr/>
           <a:lstStyle/>
           <a:p>
-            <a:pPr/>
             <a:r>
               <a:t>Nivel de texto 1</a:t>
             </a:r>
@@ -746,7 +760,9 @@
       <p:sp>
         <p:nvSpPr>
           <p:cNvPr id="94" name="Número de diapositiva"/>
-          <p:cNvSpPr txBox="1"/>
+          <p:cNvSpPr txBox="1">
+            <a:spLocks noGrp="1"/>
+          </p:cNvSpPr>
           <p:nvPr>
             <p:ph type="sldNum" sz="quarter" idx="2"/>
           </p:nvPr>
@@ -760,8 +776,10 @@
           <a:bodyPr/>
           <a:lstStyle/>
           <a:p>
-            <a:pPr/>
-            <a:fld id="{86CB4B4D-7CA3-9044-876B-883B54F8677D}" type="slidenum"/>
+            <a:fld id="{86CB4B4D-7CA3-9044-876B-883B54F8677D}" type="slidenum">
+              <a:t>‹Nº›</a:t>
+            </a:fld>
+            <a:endParaRPr/>
           </a:p>
         </p:txBody>
       </p:sp>
@@ -770,12 +788,12 @@
   <p:clrMapOvr>
     <a:masterClrMapping/>
   </p:clrMapOvr>
-  <p:transition xmlns:p14="http://schemas.microsoft.com/office/powerpoint/2010/main" spd="med" advClick="1"/>
+  <p:transition spd="med"/>
 </p:sldLayout>
 </file>
 
 <file path=ppt/slideLayouts/slideLayout11.xml><?xml version="1.0" encoding="utf-8"?>
-<p:sldLayout xmlns:a="http://schemas.openxmlformats.org/drawingml/2006/main" xmlns:r="http://schemas.openxmlformats.org/officeDocument/2006/relationships" xmlns:p="http://schemas.openxmlformats.org/presentationml/2006/main" xmlns:m="http://schemas.openxmlformats.org/officeDocument/2006/math" xmlns:a14="http://schemas.microsoft.com/office/drawing/2010/main" type="tx" showMasterSp="1" showMasterPhAnim="1">
+<p:sldLayout xmlns:a="http://schemas.openxmlformats.org/drawingml/2006/main" xmlns:r="http://schemas.openxmlformats.org/officeDocument/2006/relationships" xmlns:p="http://schemas.openxmlformats.org/presentationml/2006/main" type="tx">
   <p:cSld name="Título vertical y texto">
     <p:spTree>
       <p:nvGrpSpPr>
@@ -794,7 +812,9 @@
       <p:sp>
         <p:nvSpPr>
           <p:cNvPr id="101" name="Texto del título"/>
-          <p:cNvSpPr txBox="1"/>
+          <p:cNvSpPr txBox="1">
+            <a:spLocks noGrp="1"/>
+          </p:cNvSpPr>
           <p:nvPr>
             <p:ph type="title"/>
           </p:nvPr>
@@ -812,7 +832,6 @@
           <a:bodyPr/>
           <a:lstStyle/>
           <a:p>
-            <a:pPr/>
             <a:r>
               <a:t>Texto del título</a:t>
             </a:r>
@@ -822,7 +841,9 @@
       <p:sp>
         <p:nvSpPr>
           <p:cNvPr id="102" name="Nivel de texto 1…"/>
-          <p:cNvSpPr txBox="1"/>
+          <p:cNvSpPr txBox="1">
+            <a:spLocks noGrp="1"/>
+          </p:cNvSpPr>
           <p:nvPr>
             <p:ph type="body" idx="1"/>
           </p:nvPr>
@@ -840,7 +861,6 @@
           <a:bodyPr/>
           <a:lstStyle/>
           <a:p>
-            <a:pPr/>
             <a:r>
               <a:t>Nivel de texto 1</a:t>
             </a:r>
@@ -874,7 +894,9 @@
       <p:sp>
         <p:nvSpPr>
           <p:cNvPr id="103" name="Número de diapositiva"/>
-          <p:cNvSpPr txBox="1"/>
+          <p:cNvSpPr txBox="1">
+            <a:spLocks noGrp="1"/>
+          </p:cNvSpPr>
           <p:nvPr>
             <p:ph type="sldNum" sz="quarter" idx="2"/>
           </p:nvPr>
@@ -888,8 +910,10 @@
           <a:bodyPr/>
           <a:lstStyle/>
           <a:p>
-            <a:pPr/>
-            <a:fld id="{86CB4B4D-7CA3-9044-876B-883B54F8677D}" type="slidenum"/>
+            <a:fld id="{86CB4B4D-7CA3-9044-876B-883B54F8677D}" type="slidenum">
+              <a:t>‹Nº›</a:t>
+            </a:fld>
+            <a:endParaRPr/>
           </a:p>
         </p:txBody>
       </p:sp>
@@ -898,12 +922,12 @@
   <p:clrMapOvr>
     <a:masterClrMapping/>
   </p:clrMapOvr>
-  <p:transition xmlns:p14="http://schemas.microsoft.com/office/powerpoint/2010/main" spd="med" advClick="1"/>
+  <p:transition spd="med"/>
 </p:sldLayout>
 </file>
 
 <file path=ppt/slideLayouts/slideLayout2.xml><?xml version="1.0" encoding="utf-8"?>
-<p:sldLayout xmlns:a="http://schemas.openxmlformats.org/drawingml/2006/main" xmlns:r="http://schemas.openxmlformats.org/officeDocument/2006/relationships" xmlns:p="http://schemas.openxmlformats.org/presentationml/2006/main" xmlns:m="http://schemas.openxmlformats.org/officeDocument/2006/math" xmlns:a14="http://schemas.microsoft.com/office/drawing/2010/main" type="tx" showMasterSp="1" showMasterPhAnim="1">
+<p:sldLayout xmlns:a="http://schemas.openxmlformats.org/drawingml/2006/main" xmlns:r="http://schemas.openxmlformats.org/officeDocument/2006/relationships" xmlns:p="http://schemas.openxmlformats.org/presentationml/2006/main" type="tx">
   <p:cSld name="Título y contenido">
     <p:spTree>
       <p:nvGrpSpPr>
@@ -922,7 +946,9 @@
       <p:sp>
         <p:nvSpPr>
           <p:cNvPr id="20" name="Texto del título"/>
-          <p:cNvSpPr txBox="1"/>
+          <p:cNvSpPr txBox="1">
+            <a:spLocks noGrp="1"/>
+          </p:cNvSpPr>
           <p:nvPr>
             <p:ph type="title"/>
           </p:nvPr>
@@ -936,7 +962,6 @@
           <a:bodyPr/>
           <a:lstStyle/>
           <a:p>
-            <a:pPr/>
             <a:r>
               <a:t>Texto del título</a:t>
             </a:r>
@@ -946,7 +971,9 @@
       <p:sp>
         <p:nvSpPr>
           <p:cNvPr id="21" name="Nivel de texto 1…"/>
-          <p:cNvSpPr txBox="1"/>
+          <p:cNvSpPr txBox="1">
+            <a:spLocks noGrp="1"/>
+          </p:cNvSpPr>
           <p:nvPr>
             <p:ph type="body" idx="1"/>
           </p:nvPr>
@@ -964,7 +991,6 @@
           <a:bodyPr/>
           <a:lstStyle/>
           <a:p>
-            <a:pPr/>
             <a:r>
               <a:t>Nivel de texto 1</a:t>
             </a:r>
@@ -998,7 +1024,9 @@
       <p:sp>
         <p:nvSpPr>
           <p:cNvPr id="22" name="Número de diapositiva"/>
-          <p:cNvSpPr txBox="1"/>
+          <p:cNvSpPr txBox="1">
+            <a:spLocks noGrp="1"/>
+          </p:cNvSpPr>
           <p:nvPr>
             <p:ph type="sldNum" sz="quarter" idx="2"/>
           </p:nvPr>
@@ -1012,8 +1040,10 @@
           <a:bodyPr/>
           <a:lstStyle/>
           <a:p>
-            <a:pPr/>
-            <a:fld id="{86CB4B4D-7CA3-9044-876B-883B54F8677D}" type="slidenum"/>
+            <a:fld id="{86CB4B4D-7CA3-9044-876B-883B54F8677D}" type="slidenum">
+              <a:t>‹Nº›</a:t>
+            </a:fld>
+            <a:endParaRPr/>
           </a:p>
         </p:txBody>
       </p:sp>
@@ -1022,12 +1052,12 @@
   <p:clrMapOvr>
     <a:masterClrMapping/>
   </p:clrMapOvr>
-  <p:transition xmlns:p14="http://schemas.microsoft.com/office/powerpoint/2010/main" spd="med" advClick="1"/>
+  <p:transition spd="med"/>
 </p:sldLayout>
 </file>
 
 <file path=ppt/slideLayouts/slideLayout3.xml><?xml version="1.0" encoding="utf-8"?>
-<p:sldLayout xmlns:a="http://schemas.openxmlformats.org/drawingml/2006/main" xmlns:r="http://schemas.openxmlformats.org/officeDocument/2006/relationships" xmlns:p="http://schemas.openxmlformats.org/presentationml/2006/main" xmlns:m="http://schemas.openxmlformats.org/officeDocument/2006/math" xmlns:a14="http://schemas.microsoft.com/office/drawing/2010/main" type="tx" showMasterSp="1" showMasterPhAnim="1">
+<p:sldLayout xmlns:a="http://schemas.openxmlformats.org/drawingml/2006/main" xmlns:r="http://schemas.openxmlformats.org/officeDocument/2006/relationships" xmlns:p="http://schemas.openxmlformats.org/presentationml/2006/main" type="tx">
   <p:cSld name="Encabezado de sección">
     <p:spTree>
       <p:nvGrpSpPr>
@@ -1046,7 +1076,9 @@
       <p:sp>
         <p:nvSpPr>
           <p:cNvPr id="29" name="Texto del título"/>
-          <p:cNvSpPr txBox="1"/>
+          <p:cNvSpPr txBox="1">
+            <a:spLocks noGrp="1"/>
+          </p:cNvSpPr>
           <p:nvPr>
             <p:ph type="title"/>
           </p:nvPr>
@@ -1071,7 +1103,6 @@
             </a:lvl1pPr>
           </a:lstStyle>
           <a:p>
-            <a:pPr/>
             <a:r>
               <a:t>Texto del título</a:t>
             </a:r>
@@ -1081,7 +1112,9 @@
       <p:sp>
         <p:nvSpPr>
           <p:cNvPr id="30" name="Nivel de texto 1…"/>
-          <p:cNvSpPr txBox="1"/>
+          <p:cNvSpPr txBox="1">
+            <a:spLocks noGrp="1"/>
+          </p:cNvSpPr>
           <p:nvPr>
             <p:ph type="body" sz="quarter" idx="1"/>
           </p:nvPr>
@@ -1155,7 +1188,6 @@
             </a:lvl5pPr>
           </a:lstStyle>
           <a:p>
-            <a:pPr/>
             <a:r>
               <a:t>Nivel de texto 1</a:t>
             </a:r>
@@ -1189,7 +1221,9 @@
       <p:sp>
         <p:nvSpPr>
           <p:cNvPr id="31" name="Número de diapositiva"/>
-          <p:cNvSpPr txBox="1"/>
+          <p:cNvSpPr txBox="1">
+            <a:spLocks noGrp="1"/>
+          </p:cNvSpPr>
           <p:nvPr>
             <p:ph type="sldNum" sz="quarter" idx="2"/>
           </p:nvPr>
@@ -1203,8 +1237,10 @@
           <a:bodyPr/>
           <a:lstStyle/>
           <a:p>
-            <a:pPr/>
-            <a:fld id="{86CB4B4D-7CA3-9044-876B-883B54F8677D}" type="slidenum"/>
+            <a:fld id="{86CB4B4D-7CA3-9044-876B-883B54F8677D}" type="slidenum">
+              <a:t>‹Nº›</a:t>
+            </a:fld>
+            <a:endParaRPr/>
           </a:p>
         </p:txBody>
       </p:sp>
@@ -1213,12 +1249,12 @@
   <p:clrMapOvr>
     <a:masterClrMapping/>
   </p:clrMapOvr>
-  <p:transition xmlns:p14="http://schemas.microsoft.com/office/powerpoint/2010/main" spd="med" advClick="1"/>
+  <p:transition spd="med"/>
 </p:sldLayout>
 </file>
 
 <file path=ppt/slideLayouts/slideLayout4.xml><?xml version="1.0" encoding="utf-8"?>
-<p:sldLayout xmlns:a="http://schemas.openxmlformats.org/drawingml/2006/main" xmlns:r="http://schemas.openxmlformats.org/officeDocument/2006/relationships" xmlns:p="http://schemas.openxmlformats.org/presentationml/2006/main" xmlns:m="http://schemas.openxmlformats.org/officeDocument/2006/math" xmlns:a14="http://schemas.microsoft.com/office/drawing/2010/main" type="tx" showMasterSp="1" showMasterPhAnim="1">
+<p:sldLayout xmlns:a="http://schemas.openxmlformats.org/drawingml/2006/main" xmlns:r="http://schemas.openxmlformats.org/officeDocument/2006/relationships" xmlns:p="http://schemas.openxmlformats.org/presentationml/2006/main" type="tx">
   <p:cSld name="Dos objetos">
     <p:spTree>
       <p:nvGrpSpPr>
@@ -1237,7 +1273,9 @@
       <p:sp>
         <p:nvSpPr>
           <p:cNvPr id="38" name="Texto del título"/>
-          <p:cNvSpPr txBox="1"/>
+          <p:cNvSpPr txBox="1">
+            <a:spLocks noGrp="1"/>
+          </p:cNvSpPr>
           <p:nvPr>
             <p:ph type="title"/>
           </p:nvPr>
@@ -1251,7 +1289,6 @@
           <a:bodyPr/>
           <a:lstStyle/>
           <a:p>
-            <a:pPr/>
             <a:r>
               <a:t>Texto del título</a:t>
             </a:r>
@@ -1261,7 +1298,9 @@
       <p:sp>
         <p:nvSpPr>
           <p:cNvPr id="39" name="Nivel de texto 1…"/>
-          <p:cNvSpPr txBox="1"/>
+          <p:cNvSpPr txBox="1">
+            <a:spLocks noGrp="1"/>
+          </p:cNvSpPr>
           <p:nvPr>
             <p:ph type="body" sz="half" idx="1"/>
           </p:nvPr>
@@ -1279,7 +1318,6 @@
           <a:bodyPr/>
           <a:lstStyle/>
           <a:p>
-            <a:pPr/>
             <a:r>
               <a:t>Nivel de texto 1</a:t>
             </a:r>
@@ -1313,7 +1351,9 @@
       <p:sp>
         <p:nvSpPr>
           <p:cNvPr id="40" name="Número de diapositiva"/>
-          <p:cNvSpPr txBox="1"/>
+          <p:cNvSpPr txBox="1">
+            <a:spLocks noGrp="1"/>
+          </p:cNvSpPr>
           <p:nvPr>
             <p:ph type="sldNum" sz="quarter" idx="2"/>
           </p:nvPr>
@@ -1327,8 +1367,10 @@
           <a:bodyPr/>
           <a:lstStyle/>
           <a:p>
-            <a:pPr/>
-            <a:fld id="{86CB4B4D-7CA3-9044-876B-883B54F8677D}" type="slidenum"/>
+            <a:fld id="{86CB4B4D-7CA3-9044-876B-883B54F8677D}" type="slidenum">
+              <a:t>‹Nº›</a:t>
+            </a:fld>
+            <a:endParaRPr/>
           </a:p>
         </p:txBody>
       </p:sp>
@@ -1337,12 +1379,12 @@
   <p:clrMapOvr>
     <a:masterClrMapping/>
   </p:clrMapOvr>
-  <p:transition xmlns:p14="http://schemas.microsoft.com/office/powerpoint/2010/main" spd="med" advClick="1"/>
+  <p:transition spd="med"/>
 </p:sldLayout>
 </file>
 
 <file path=ppt/slideLayouts/slideLayout5.xml><?xml version="1.0" encoding="utf-8"?>
-<p:sldLayout xmlns:a="http://schemas.openxmlformats.org/drawingml/2006/main" xmlns:r="http://schemas.openxmlformats.org/officeDocument/2006/relationships" xmlns:p="http://schemas.openxmlformats.org/presentationml/2006/main" xmlns:m="http://schemas.openxmlformats.org/officeDocument/2006/math" xmlns:a14="http://schemas.microsoft.com/office/drawing/2010/main" type="tx" showMasterSp="1" showMasterPhAnim="1">
+<p:sldLayout xmlns:a="http://schemas.openxmlformats.org/drawingml/2006/main" xmlns:r="http://schemas.openxmlformats.org/officeDocument/2006/relationships" xmlns:p="http://schemas.openxmlformats.org/presentationml/2006/main" type="tx">
   <p:cSld name="Comparación">
     <p:spTree>
       <p:nvGrpSpPr>
@@ -1361,7 +1403,9 @@
       <p:sp>
         <p:nvSpPr>
           <p:cNvPr id="47" name="Texto del título"/>
-          <p:cNvSpPr txBox="1"/>
+          <p:cNvSpPr txBox="1">
+            <a:spLocks noGrp="1"/>
+          </p:cNvSpPr>
           <p:nvPr>
             <p:ph type="title"/>
           </p:nvPr>
@@ -1379,7 +1423,6 @@
           <a:bodyPr/>
           <a:lstStyle/>
           <a:p>
-            <a:pPr/>
             <a:r>
               <a:t>Texto del título</a:t>
             </a:r>
@@ -1389,7 +1432,9 @@
       <p:sp>
         <p:nvSpPr>
           <p:cNvPr id="48" name="Nivel de texto 1…"/>
-          <p:cNvSpPr txBox="1"/>
+          <p:cNvSpPr txBox="1">
+            <a:spLocks noGrp="1"/>
+          </p:cNvSpPr>
           <p:nvPr>
             <p:ph type="body" sz="quarter" idx="1"/>
           </p:nvPr>
@@ -1458,7 +1503,6 @@
             </a:lvl5pPr>
           </a:lstStyle>
           <a:p>
-            <a:pPr/>
             <a:r>
               <a:t>Nivel de texto 1</a:t>
             </a:r>
@@ -1492,7 +1536,9 @@
       <p:sp>
         <p:nvSpPr>
           <p:cNvPr id="49" name="Marcador de posición de texto 4"/>
-          <p:cNvSpPr/>
+          <p:cNvSpPr>
+            <a:spLocks noGrp="1"/>
+          </p:cNvSpPr>
           <p:nvPr>
             <p:ph type="body" sz="quarter" idx="13"/>
           </p:nvPr>
@@ -1520,13 +1566,16 @@
               <a:buNone/>
               <a:defRPr b="1"/>
             </a:pPr>
+            <a:endParaRPr/>
           </a:p>
         </p:txBody>
       </p:sp>
       <p:sp>
         <p:nvSpPr>
           <p:cNvPr id="50" name="Número de diapositiva"/>
-          <p:cNvSpPr txBox="1"/>
+          <p:cNvSpPr txBox="1">
+            <a:spLocks noGrp="1"/>
+          </p:cNvSpPr>
           <p:nvPr>
             <p:ph type="sldNum" sz="quarter" idx="2"/>
           </p:nvPr>
@@ -1540,8 +1589,10 @@
           <a:bodyPr/>
           <a:lstStyle/>
           <a:p>
-            <a:pPr/>
-            <a:fld id="{86CB4B4D-7CA3-9044-876B-883B54F8677D}" type="slidenum"/>
+            <a:fld id="{86CB4B4D-7CA3-9044-876B-883B54F8677D}" type="slidenum">
+              <a:t>‹Nº›</a:t>
+            </a:fld>
+            <a:endParaRPr/>
           </a:p>
         </p:txBody>
       </p:sp>
@@ -1550,12 +1601,12 @@
   <p:clrMapOvr>
     <a:masterClrMapping/>
   </p:clrMapOvr>
-  <p:transition xmlns:p14="http://schemas.microsoft.com/office/powerpoint/2010/main" spd="med" advClick="1"/>
+  <p:transition spd="med"/>
 </p:sldLayout>
 </file>
 
 <file path=ppt/slideLayouts/slideLayout6.xml><?xml version="1.0" encoding="utf-8"?>
-<p:sldLayout xmlns:a="http://schemas.openxmlformats.org/drawingml/2006/main" xmlns:r="http://schemas.openxmlformats.org/officeDocument/2006/relationships" xmlns:p="http://schemas.openxmlformats.org/presentationml/2006/main" xmlns:m="http://schemas.openxmlformats.org/officeDocument/2006/math" xmlns:a14="http://schemas.microsoft.com/office/drawing/2010/main" type="tx" showMasterSp="1" showMasterPhAnim="1">
+<p:sldLayout xmlns:a="http://schemas.openxmlformats.org/drawingml/2006/main" xmlns:r="http://schemas.openxmlformats.org/officeDocument/2006/relationships" xmlns:p="http://schemas.openxmlformats.org/presentationml/2006/main" type="tx">
   <p:cSld name="Solo el título">
     <p:spTree>
       <p:nvGrpSpPr>
@@ -1574,7 +1625,9 @@
       <p:sp>
         <p:nvSpPr>
           <p:cNvPr id="57" name="Texto del título"/>
-          <p:cNvSpPr txBox="1"/>
+          <p:cNvSpPr txBox="1">
+            <a:spLocks noGrp="1"/>
+          </p:cNvSpPr>
           <p:nvPr>
             <p:ph type="title"/>
           </p:nvPr>
@@ -1588,7 +1641,6 @@
           <a:bodyPr/>
           <a:lstStyle/>
           <a:p>
-            <a:pPr/>
             <a:r>
               <a:t>Texto del título</a:t>
             </a:r>
@@ -1598,7 +1650,9 @@
       <p:sp>
         <p:nvSpPr>
           <p:cNvPr id="58" name="Número de diapositiva"/>
-          <p:cNvSpPr txBox="1"/>
+          <p:cNvSpPr txBox="1">
+            <a:spLocks noGrp="1"/>
+          </p:cNvSpPr>
           <p:nvPr>
             <p:ph type="sldNum" sz="quarter" idx="2"/>
           </p:nvPr>
@@ -1612,8 +1666,10 @@
           <a:bodyPr/>
           <a:lstStyle/>
           <a:p>
-            <a:pPr/>
-            <a:fld id="{86CB4B4D-7CA3-9044-876B-883B54F8677D}" type="slidenum"/>
+            <a:fld id="{86CB4B4D-7CA3-9044-876B-883B54F8677D}" type="slidenum">
+              <a:t>‹Nº›</a:t>
+            </a:fld>
+            <a:endParaRPr/>
           </a:p>
         </p:txBody>
       </p:sp>
@@ -1622,12 +1678,12 @@
   <p:clrMapOvr>
     <a:masterClrMapping/>
   </p:clrMapOvr>
-  <p:transition xmlns:p14="http://schemas.microsoft.com/office/powerpoint/2010/main" spd="med" advClick="1"/>
+  <p:transition spd="med"/>
 </p:sldLayout>
 </file>
 
 <file path=ppt/slideLayouts/slideLayout7.xml><?xml version="1.0" encoding="utf-8"?>
-<p:sldLayout xmlns:a="http://schemas.openxmlformats.org/drawingml/2006/main" xmlns:r="http://schemas.openxmlformats.org/officeDocument/2006/relationships" xmlns:p="http://schemas.openxmlformats.org/presentationml/2006/main" xmlns:m="http://schemas.openxmlformats.org/officeDocument/2006/math" xmlns:a14="http://schemas.microsoft.com/office/drawing/2010/main" type="tx" showMasterSp="1" showMasterPhAnim="1">
+<p:sldLayout xmlns:a="http://schemas.openxmlformats.org/drawingml/2006/main" xmlns:r="http://schemas.openxmlformats.org/officeDocument/2006/relationships" xmlns:p="http://schemas.openxmlformats.org/presentationml/2006/main" type="tx">
   <p:cSld name="En blanco">
     <p:spTree>
       <p:nvGrpSpPr>
@@ -1646,7 +1702,9 @@
       <p:sp>
         <p:nvSpPr>
           <p:cNvPr id="65" name="Número de diapositiva"/>
-          <p:cNvSpPr txBox="1"/>
+          <p:cNvSpPr txBox="1">
+            <a:spLocks noGrp="1"/>
+          </p:cNvSpPr>
           <p:nvPr>
             <p:ph type="sldNum" sz="quarter" idx="2"/>
           </p:nvPr>
@@ -1660,8 +1718,10 @@
           <a:bodyPr/>
           <a:lstStyle/>
           <a:p>
-            <a:pPr/>
-            <a:fld id="{86CB4B4D-7CA3-9044-876B-883B54F8677D}" type="slidenum"/>
+            <a:fld id="{86CB4B4D-7CA3-9044-876B-883B54F8677D}" type="slidenum">
+              <a:t>‹Nº›</a:t>
+            </a:fld>
+            <a:endParaRPr/>
           </a:p>
         </p:txBody>
       </p:sp>
@@ -1670,12 +1730,12 @@
   <p:clrMapOvr>
     <a:masterClrMapping/>
   </p:clrMapOvr>
-  <p:transition xmlns:p14="http://schemas.microsoft.com/office/powerpoint/2010/main" spd="med" advClick="1"/>
+  <p:transition spd="med"/>
 </p:sldLayout>
 </file>
 
 <file path=ppt/slideLayouts/slideLayout8.xml><?xml version="1.0" encoding="utf-8"?>
-<p:sldLayout xmlns:a="http://schemas.openxmlformats.org/drawingml/2006/main" xmlns:r="http://schemas.openxmlformats.org/officeDocument/2006/relationships" xmlns:p="http://schemas.openxmlformats.org/presentationml/2006/main" xmlns:m="http://schemas.openxmlformats.org/officeDocument/2006/math" xmlns:a14="http://schemas.microsoft.com/office/drawing/2010/main" type="tx" showMasterSp="1" showMasterPhAnim="1">
+<p:sldLayout xmlns:a="http://schemas.openxmlformats.org/drawingml/2006/main" xmlns:r="http://schemas.openxmlformats.org/officeDocument/2006/relationships" xmlns:p="http://schemas.openxmlformats.org/presentationml/2006/main" type="tx">
   <p:cSld name="Contenido con leyenda">
     <p:spTree>
       <p:nvGrpSpPr>
@@ -1694,7 +1754,9 @@
       <p:sp>
         <p:nvSpPr>
           <p:cNvPr id="72" name="Texto del título"/>
-          <p:cNvSpPr txBox="1"/>
+          <p:cNvSpPr txBox="1">
+            <a:spLocks noGrp="1"/>
+          </p:cNvSpPr>
           <p:nvPr>
             <p:ph type="title"/>
           </p:nvPr>
@@ -1716,7 +1778,6 @@
             </a:lvl1pPr>
           </a:lstStyle>
           <a:p>
-            <a:pPr/>
             <a:r>
               <a:t>Texto del título</a:t>
             </a:r>
@@ -1726,7 +1787,9 @@
       <p:sp>
         <p:nvSpPr>
           <p:cNvPr id="73" name="Nivel de texto 1…"/>
-          <p:cNvSpPr txBox="1"/>
+          <p:cNvSpPr txBox="1">
+            <a:spLocks noGrp="1"/>
+          </p:cNvSpPr>
           <p:nvPr>
             <p:ph type="body" sz="half" idx="1"/>
           </p:nvPr>
@@ -1744,7 +1807,6 @@
           <a:bodyPr/>
           <a:lstStyle/>
           <a:p>
-            <a:pPr/>
             <a:r>
               <a:t>Nivel de texto 1</a:t>
             </a:r>
@@ -1778,7 +1840,9 @@
       <p:sp>
         <p:nvSpPr>
           <p:cNvPr id="74" name="Marcador de posición de texto 3"/>
-          <p:cNvSpPr/>
+          <p:cNvSpPr>
+            <a:spLocks noGrp="1"/>
+          </p:cNvSpPr>
           <p:nvPr>
             <p:ph type="body" sz="quarter" idx="13"/>
           </p:nvPr>
@@ -1806,13 +1870,16 @@
               <a:buNone/>
               <a:defRPr sz="1600"/>
             </a:pPr>
+            <a:endParaRPr/>
           </a:p>
         </p:txBody>
       </p:sp>
       <p:sp>
         <p:nvSpPr>
           <p:cNvPr id="75" name="Número de diapositiva"/>
-          <p:cNvSpPr txBox="1"/>
+          <p:cNvSpPr txBox="1">
+            <a:spLocks noGrp="1"/>
+          </p:cNvSpPr>
           <p:nvPr>
             <p:ph type="sldNum" sz="quarter" idx="2"/>
           </p:nvPr>
@@ -1826,8 +1893,10 @@
           <a:bodyPr/>
           <a:lstStyle/>
           <a:p>
-            <a:pPr/>
-            <a:fld id="{86CB4B4D-7CA3-9044-876B-883B54F8677D}" type="slidenum"/>
+            <a:fld id="{86CB4B4D-7CA3-9044-876B-883B54F8677D}" type="slidenum">
+              <a:t>‹Nº›</a:t>
+            </a:fld>
+            <a:endParaRPr/>
           </a:p>
         </p:txBody>
       </p:sp>
@@ -1836,12 +1905,12 @@
   <p:clrMapOvr>
     <a:masterClrMapping/>
   </p:clrMapOvr>
-  <p:transition xmlns:p14="http://schemas.microsoft.com/office/powerpoint/2010/main" spd="med" advClick="1"/>
+  <p:transition spd="med"/>
 </p:sldLayout>
 </file>
 
 <file path=ppt/slideLayouts/slideLayout9.xml><?xml version="1.0" encoding="utf-8"?>
-<p:sldLayout xmlns:a="http://schemas.openxmlformats.org/drawingml/2006/main" xmlns:r="http://schemas.openxmlformats.org/officeDocument/2006/relationships" xmlns:p="http://schemas.openxmlformats.org/presentationml/2006/main" xmlns:m="http://schemas.openxmlformats.org/officeDocument/2006/math" xmlns:a14="http://schemas.microsoft.com/office/drawing/2010/main" type="tx" showMasterSp="1" showMasterPhAnim="1">
+<p:sldLayout xmlns:a="http://schemas.openxmlformats.org/drawingml/2006/main" xmlns:r="http://schemas.openxmlformats.org/officeDocument/2006/relationships" xmlns:p="http://schemas.openxmlformats.org/presentationml/2006/main" type="tx">
   <p:cSld name="Imagen con leyenda">
     <p:spTree>
       <p:nvGrpSpPr>
@@ -1860,7 +1929,9 @@
       <p:sp>
         <p:nvSpPr>
           <p:cNvPr id="82" name="Texto del título"/>
-          <p:cNvSpPr txBox="1"/>
+          <p:cNvSpPr txBox="1">
+            <a:spLocks noGrp="1"/>
+          </p:cNvSpPr>
           <p:nvPr>
             <p:ph type="title"/>
           </p:nvPr>
@@ -1882,7 +1953,6 @@
             </a:lvl1pPr>
           </a:lstStyle>
           <a:p>
-            <a:pPr/>
             <a:r>
               <a:t>Texto del título</a:t>
             </a:r>
@@ -1892,7 +1962,9 @@
       <p:sp>
         <p:nvSpPr>
           <p:cNvPr id="83" name="Marcador de posición de imagen 2"/>
-          <p:cNvSpPr/>
+          <p:cNvSpPr>
+            <a:spLocks noGrp="1"/>
+          </p:cNvSpPr>
           <p:nvPr>
             <p:ph type="pic" sz="half" idx="13"/>
           </p:nvPr>
@@ -1912,14 +1984,16 @@
           </a:bodyPr>
           <a:lstStyle/>
           <a:p>
-            <a:pPr/>
+            <a:endParaRPr/>
           </a:p>
         </p:txBody>
       </p:sp>
       <p:sp>
         <p:nvSpPr>
           <p:cNvPr id="84" name="Nivel de texto 1…"/>
-          <p:cNvSpPr txBox="1"/>
+          <p:cNvSpPr txBox="1">
+            <a:spLocks noGrp="1"/>
+          </p:cNvSpPr>
           <p:nvPr>
             <p:ph type="body" sz="quarter" idx="1"/>
           </p:nvPr>
@@ -1988,7 +2062,6 @@
             </a:lvl5pPr>
           </a:lstStyle>
           <a:p>
-            <a:pPr/>
             <a:r>
               <a:t>Nivel de texto 1</a:t>
             </a:r>
@@ -2022,7 +2095,9 @@
       <p:sp>
         <p:nvSpPr>
           <p:cNvPr id="85" name="Número de diapositiva"/>
-          <p:cNvSpPr txBox="1"/>
+          <p:cNvSpPr txBox="1">
+            <a:spLocks noGrp="1"/>
+          </p:cNvSpPr>
           <p:nvPr>
             <p:ph type="sldNum" sz="quarter" idx="2"/>
           </p:nvPr>
@@ -2036,8 +2111,10 @@
           <a:bodyPr/>
           <a:lstStyle/>
           <a:p>
-            <a:pPr/>
-            <a:fld id="{86CB4B4D-7CA3-9044-876B-883B54F8677D}" type="slidenum"/>
+            <a:fld id="{86CB4B4D-7CA3-9044-876B-883B54F8677D}" type="slidenum">
+              <a:t>‹Nº›</a:t>
+            </a:fld>
+            <a:endParaRPr/>
           </a:p>
         </p:txBody>
       </p:sp>
@@ -2046,22 +2123,23 @@
   <p:clrMapOvr>
     <a:masterClrMapping/>
   </p:clrMapOvr>
-  <p:transition xmlns:p14="http://schemas.microsoft.com/office/powerpoint/2010/main" spd="med" advClick="1"/>
+  <p:transition spd="med"/>
 </p:sldLayout>
 </file>
 
 <file path=ppt/slideMasters/slideMaster1.xml><?xml version="1.0" encoding="utf-8"?>
-<p:sldMaster xmlns:a="http://schemas.openxmlformats.org/drawingml/2006/main" xmlns:r="http://schemas.openxmlformats.org/officeDocument/2006/relationships" xmlns:p="http://schemas.openxmlformats.org/presentationml/2006/main" xmlns:m="http://schemas.openxmlformats.org/officeDocument/2006/math" xmlns:a14="http://schemas.microsoft.com/office/drawing/2010/main">
+<p:sldMaster xmlns:a="http://schemas.openxmlformats.org/drawingml/2006/main" xmlns:r="http://schemas.openxmlformats.org/officeDocument/2006/relationships" xmlns:p="http://schemas.openxmlformats.org/presentationml/2006/main">
   <p:cSld>
     <p:bg>
       <p:bgPr>
         <a:blipFill rotWithShape="1">
-          <a:blip r:embed="rId2"/>
-          <a:srcRect l="0" t="0" r="0" b="0"/>
+          <a:blip r:embed="rId13"/>
+          <a:srcRect/>
           <a:stretch>
             <a:fillRect/>
           </a:stretch>
         </a:blipFill>
+        <a:effectLst/>
       </p:bgPr>
     </p:bg>
     <p:spTree>
@@ -2081,7 +2159,9 @@
       <p:sp>
         <p:nvSpPr>
           <p:cNvPr id="2" name="Texto del título"/>
-          <p:cNvSpPr txBox="1"/>
+          <p:cNvSpPr txBox="1">
+            <a:spLocks noGrp="1"/>
+          </p:cNvSpPr>
           <p:nvPr>
             <p:ph type="title"/>
           </p:nvPr>
@@ -2099,17 +2179,16 @@
           </a:ln>
           <a:extLst>
             <a:ext uri="{C572A759-6A51-4108-AA02-DFA0A04FC94B}">
-              <ma14:wrappingTextBoxFlag xmlns:ma14="http://schemas.microsoft.com/office/mac/drawingml/2011/main" val="1"/>
+              <ma14:wrappingTextBoxFlag xmlns:ma14="http://schemas.microsoft.com/office/mac/drawingml/2011/main" xmlns:a14="http://schemas.microsoft.com/office/drawing/2010/main" xmlns:m="http://schemas.openxmlformats.org/officeDocument/2006/math" xmlns="" val="1"/>
             </a:ext>
           </a:extLst>
         </p:spPr>
         <p:txBody>
           <a:bodyPr lIns="45719" rIns="45719" anchor="ctr">
-            <a:normAutofit fontScale="100000" lnSpcReduction="0"/>
+            <a:normAutofit/>
           </a:bodyPr>
           <a:lstStyle/>
           <a:p>
-            <a:pPr/>
             <a:r>
               <a:t>Texto del título</a:t>
             </a:r>
@@ -2119,7 +2198,9 @@
       <p:sp>
         <p:nvSpPr>
           <p:cNvPr id="3" name="Nivel de texto 1…"/>
-          <p:cNvSpPr txBox="1"/>
+          <p:cNvSpPr txBox="1">
+            <a:spLocks noGrp="1"/>
+          </p:cNvSpPr>
           <p:nvPr>
             <p:ph type="body" idx="1"/>
           </p:nvPr>
@@ -2137,17 +2218,16 @@
           </a:ln>
           <a:extLst>
             <a:ext uri="{C572A759-6A51-4108-AA02-DFA0A04FC94B}">
-              <ma14:wrappingTextBoxFlag xmlns:ma14="http://schemas.microsoft.com/office/mac/drawingml/2011/main" val="1"/>
+              <ma14:wrappingTextBoxFlag xmlns:ma14="http://schemas.microsoft.com/office/mac/drawingml/2011/main" xmlns:a14="http://schemas.microsoft.com/office/drawing/2010/main" xmlns:m="http://schemas.openxmlformats.org/officeDocument/2006/math" xmlns="" val="1"/>
             </a:ext>
           </a:extLst>
         </p:spPr>
         <p:txBody>
           <a:bodyPr lIns="45719" rIns="45719">
-            <a:normAutofit fontScale="100000" lnSpcReduction="0"/>
+            <a:normAutofit/>
           </a:bodyPr>
           <a:lstStyle/>
           <a:p>
-            <a:pPr/>
             <a:r>
               <a:t>Nivel de texto 1</a:t>
             </a:r>
@@ -2181,7 +2261,9 @@
       <p:sp>
         <p:nvSpPr>
           <p:cNvPr id="4" name="Número de diapositiva"/>
-          <p:cNvSpPr txBox="1"/>
+          <p:cNvSpPr txBox="1">
+            <a:spLocks noGrp="1"/>
+          </p:cNvSpPr>
           <p:nvPr>
             <p:ph type="sldNum" sz="quarter" idx="2"/>
           </p:nvPr>
@@ -2212,8 +2294,10 @@
             </a:lvl1pPr>
           </a:lstStyle>
           <a:p>
-            <a:pPr/>
-            <a:fld id="{86CB4B4D-7CA3-9044-876B-883B54F8677D}" type="slidenum"/>
+            <a:fld id="{86CB4B4D-7CA3-9044-876B-883B54F8677D}" type="slidenum">
+              <a:t>‹Nº›</a:t>
+            </a:fld>
+            <a:endParaRPr/>
           </a:p>
         </p:txBody>
       </p:sp>
@@ -2221,19 +2305,19 @@
   </p:cSld>
   <p:clrMap bg1="lt1" tx1="dk1" bg2="lt2" tx2="dk2" accent1="accent1" accent2="accent2" accent3="accent3" accent4="accent4" accent5="accent5" accent6="accent6" hlink="hlink" folHlink="folHlink"/>
   <p:sldLayoutIdLst>
-    <p:sldLayoutId id="2147483649" r:id="rId3"/>
-    <p:sldLayoutId id="2147483650" r:id="rId4"/>
-    <p:sldLayoutId id="2147483651" r:id="rId5"/>
-    <p:sldLayoutId id="2147483652" r:id="rId6"/>
-    <p:sldLayoutId id="2147483653" r:id="rId7"/>
-    <p:sldLayoutId id="2147483654" r:id="rId8"/>
-    <p:sldLayoutId id="2147483655" r:id="rId9"/>
-    <p:sldLayoutId id="2147483656" r:id="rId10"/>
-    <p:sldLayoutId id="2147483657" r:id="rId11"/>
-    <p:sldLayoutId id="2147483658" r:id="rId12"/>
-    <p:sldLayoutId id="2147483659" r:id="rId13"/>
+    <p:sldLayoutId id="2147483649" r:id="rId1"/>
+    <p:sldLayoutId id="2147483650" r:id="rId2"/>
+    <p:sldLayoutId id="2147483651" r:id="rId3"/>
+    <p:sldLayoutId id="2147483652" r:id="rId4"/>
+    <p:sldLayoutId id="2147483653" r:id="rId5"/>
+    <p:sldLayoutId id="2147483654" r:id="rId6"/>
+    <p:sldLayoutId id="2147483655" r:id="rId7"/>
+    <p:sldLayoutId id="2147483656" r:id="rId8"/>
+    <p:sldLayoutId id="2147483657" r:id="rId9"/>
+    <p:sldLayoutId id="2147483658" r:id="rId10"/>
+    <p:sldLayoutId id="2147483659" r:id="rId11"/>
   </p:sldLayoutIdLst>
-  <p:transition xmlns:p14="http://schemas.microsoft.com/office/powerpoint/2010/main" spd="med" advClick="1"/>
+  <p:transition spd="med"/>
   <p:txStyles>
     <p:titleStyle>
       <a:lvl1pPr marL="0" marR="0" indent="0" algn="l" defTabSz="914400" rtl="0" latinLnBrk="0">
@@ -2251,7 +2335,7 @@
         <a:buFontTx/>
         <a:buNone/>
         <a:tabLst/>
-        <a:defRPr b="1" baseline="0" cap="none" i="0" spc="0" strike="noStrike" sz="4000" u="none">
+        <a:defRPr sz="4000" b="1" i="0" u="none" strike="noStrike" cap="none" spc="0" baseline="0">
           <a:ln>
             <a:noFill/>
           </a:ln>
@@ -2259,7 +2343,7 @@
             <a:srgbClr val="4B3129"/>
           </a:solidFill>
           <a:effectLst>
-            <a:outerShdw sx="100000" sy="100000" kx="0" ky="0" algn="b" rotWithShape="0" blurRad="38100" dist="38100" dir="2700000">
+            <a:outerShdw blurRad="38100" dist="38100" dir="2700000" rotWithShape="0">
               <a:srgbClr val="000000">
                 <a:alpha val="43000"/>
               </a:srgbClr>
@@ -2287,7 +2371,7 @@
         <a:buFontTx/>
         <a:buNone/>
         <a:tabLst/>
-        <a:defRPr b="1" baseline="0" cap="none" i="0" spc="0" strike="noStrike" sz="4000" u="none">
+        <a:defRPr sz="4000" b="1" i="0" u="none" strike="noStrike" cap="none" spc="0" baseline="0">
           <a:ln>
             <a:noFill/>
           </a:ln>
@@ -2295,7 +2379,7 @@
             <a:srgbClr val="4B3129"/>
           </a:solidFill>
           <a:effectLst>
-            <a:outerShdw sx="100000" sy="100000" kx="0" ky="0" algn="b" rotWithShape="0" blurRad="38100" dist="38100" dir="2700000">
+            <a:outerShdw blurRad="38100" dist="38100" dir="2700000" rotWithShape="0">
               <a:srgbClr val="000000">
                 <a:alpha val="43000"/>
               </a:srgbClr>
@@ -2323,7 +2407,7 @@
         <a:buFontTx/>
         <a:buNone/>
         <a:tabLst/>
-        <a:defRPr b="1" baseline="0" cap="none" i="0" spc="0" strike="noStrike" sz="4000" u="none">
+        <a:defRPr sz="4000" b="1" i="0" u="none" strike="noStrike" cap="none" spc="0" baseline="0">
           <a:ln>
             <a:noFill/>
           </a:ln>
@@ -2331,7 +2415,7 @@
             <a:srgbClr val="4B3129"/>
           </a:solidFill>
           <a:effectLst>
-            <a:outerShdw sx="100000" sy="100000" kx="0" ky="0" algn="b" rotWithShape="0" blurRad="38100" dist="38100" dir="2700000">
+            <a:outerShdw blurRad="38100" dist="38100" dir="2700000" rotWithShape="0">
               <a:srgbClr val="000000">
                 <a:alpha val="43000"/>
               </a:srgbClr>
@@ -2359,7 +2443,7 @@
         <a:buFontTx/>
         <a:buNone/>
         <a:tabLst/>
-        <a:defRPr b="1" baseline="0" cap="none" i="0" spc="0" strike="noStrike" sz="4000" u="none">
+        <a:defRPr sz="4000" b="1" i="0" u="none" strike="noStrike" cap="none" spc="0" baseline="0">
           <a:ln>
             <a:noFill/>
           </a:ln>
@@ -2367,7 +2451,7 @@
             <a:srgbClr val="4B3129"/>
           </a:solidFill>
           <a:effectLst>
-            <a:outerShdw sx="100000" sy="100000" kx="0" ky="0" algn="b" rotWithShape="0" blurRad="38100" dist="38100" dir="2700000">
+            <a:outerShdw blurRad="38100" dist="38100" dir="2700000" rotWithShape="0">
               <a:srgbClr val="000000">
                 <a:alpha val="43000"/>
               </a:srgbClr>
@@ -2395,7 +2479,7 @@
         <a:buFontTx/>
         <a:buNone/>
         <a:tabLst/>
-        <a:defRPr b="1" baseline="0" cap="none" i="0" spc="0" strike="noStrike" sz="4000" u="none">
+        <a:defRPr sz="4000" b="1" i="0" u="none" strike="noStrike" cap="none" spc="0" baseline="0">
           <a:ln>
             <a:noFill/>
           </a:ln>
@@ -2403,7 +2487,7 @@
             <a:srgbClr val="4B3129"/>
           </a:solidFill>
           <a:effectLst>
-            <a:outerShdw sx="100000" sy="100000" kx="0" ky="0" algn="b" rotWithShape="0" blurRad="38100" dist="38100" dir="2700000">
+            <a:outerShdw blurRad="38100" dist="38100" dir="2700000" rotWithShape="0">
               <a:srgbClr val="000000">
                 <a:alpha val="43000"/>
               </a:srgbClr>
@@ -2431,7 +2515,7 @@
         <a:buFontTx/>
         <a:buNone/>
         <a:tabLst/>
-        <a:defRPr b="1" baseline="0" cap="none" i="0" spc="0" strike="noStrike" sz="4000" u="none">
+        <a:defRPr sz="4000" b="1" i="0" u="none" strike="noStrike" cap="none" spc="0" baseline="0">
           <a:ln>
             <a:noFill/>
           </a:ln>
@@ -2439,7 +2523,7 @@
             <a:srgbClr val="4B3129"/>
           </a:solidFill>
           <a:effectLst>
-            <a:outerShdw sx="100000" sy="100000" kx="0" ky="0" algn="b" rotWithShape="0" blurRad="38100" dist="38100" dir="2700000">
+            <a:outerShdw blurRad="38100" dist="38100" dir="2700000" rotWithShape="0">
               <a:srgbClr val="000000">
                 <a:alpha val="43000"/>
               </a:srgbClr>
@@ -2467,7 +2551,7 @@
         <a:buFontTx/>
         <a:buNone/>
         <a:tabLst/>
-        <a:defRPr b="1" baseline="0" cap="none" i="0" spc="0" strike="noStrike" sz="4000" u="none">
+        <a:defRPr sz="4000" b="1" i="0" u="none" strike="noStrike" cap="none" spc="0" baseline="0">
           <a:ln>
             <a:noFill/>
           </a:ln>
@@ -2475,7 +2559,7 @@
             <a:srgbClr val="4B3129"/>
           </a:solidFill>
           <a:effectLst>
-            <a:outerShdw sx="100000" sy="100000" kx="0" ky="0" algn="b" rotWithShape="0" blurRad="38100" dist="38100" dir="2700000">
+            <a:outerShdw blurRad="38100" dist="38100" dir="2700000" rotWithShape="0">
               <a:srgbClr val="000000">
                 <a:alpha val="43000"/>
               </a:srgbClr>
@@ -2503,7 +2587,7 @@
         <a:buFontTx/>
         <a:buNone/>
         <a:tabLst/>
-        <a:defRPr b="1" baseline="0" cap="none" i="0" spc="0" strike="noStrike" sz="4000" u="none">
+        <a:defRPr sz="4000" b="1" i="0" u="none" strike="noStrike" cap="none" spc="0" baseline="0">
           <a:ln>
             <a:noFill/>
           </a:ln>
@@ -2511,7 +2595,7 @@
             <a:srgbClr val="4B3129"/>
           </a:solidFill>
           <a:effectLst>
-            <a:outerShdw sx="100000" sy="100000" kx="0" ky="0" algn="b" rotWithShape="0" blurRad="38100" dist="38100" dir="2700000">
+            <a:outerShdw blurRad="38100" dist="38100" dir="2700000" rotWithShape="0">
               <a:srgbClr val="000000">
                 <a:alpha val="43000"/>
               </a:srgbClr>
@@ -2539,7 +2623,7 @@
         <a:buFontTx/>
         <a:buNone/>
         <a:tabLst/>
-        <a:defRPr b="1" baseline="0" cap="none" i="0" spc="0" strike="noStrike" sz="4000" u="none">
+        <a:defRPr sz="4000" b="1" i="0" u="none" strike="noStrike" cap="none" spc="0" baseline="0">
           <a:ln>
             <a:noFill/>
           </a:ln>
@@ -2547,7 +2631,7 @@
             <a:srgbClr val="4B3129"/>
           </a:solidFill>
           <a:effectLst>
-            <a:outerShdw sx="100000" sy="100000" kx="0" ky="0" algn="b" rotWithShape="0" blurRad="38100" dist="38100" dir="2700000">
+            <a:outerShdw blurRad="38100" dist="38100" dir="2700000" rotWithShape="0">
               <a:srgbClr val="000000">
                 <a:alpha val="43000"/>
               </a:srgbClr>
@@ -2579,7 +2663,7 @@
         <a:buFont typeface="Arial"/>
         <a:buChar char="•"/>
         <a:tabLst/>
-        <a:defRPr b="0" baseline="0" cap="none" i="0" spc="0" strike="noStrike" sz="2400" u="none">
+        <a:defRPr sz="2400" b="0" i="0" u="none" strike="noStrike" cap="none" spc="0" baseline="0">
           <a:ln>
             <a:noFill/>
           </a:ln>
@@ -2610,7 +2694,7 @@
         <a:buFont typeface="Arial"/>
         <a:buChar char="•"/>
         <a:tabLst/>
-        <a:defRPr b="0" baseline="0" cap="none" i="0" spc="0" strike="noStrike" sz="2400" u="none">
+        <a:defRPr sz="2400" b="0" i="0" u="none" strike="noStrike" cap="none" spc="0" baseline="0">
           <a:ln>
             <a:noFill/>
           </a:ln>
@@ -2641,7 +2725,7 @@
         <a:buFont typeface="Arial"/>
         <a:buChar char="•"/>
         <a:tabLst/>
-        <a:defRPr b="0" baseline="0" cap="none" i="0" spc="0" strike="noStrike" sz="2400" u="none">
+        <a:defRPr sz="2400" b="0" i="0" u="none" strike="noStrike" cap="none" spc="0" baseline="0">
           <a:ln>
             <a:noFill/>
           </a:ln>
@@ -2672,7 +2756,7 @@
         <a:buFont typeface="Arial"/>
         <a:buChar char="•"/>
         <a:tabLst/>
-        <a:defRPr b="0" baseline="0" cap="none" i="0" spc="0" strike="noStrike" sz="2400" u="none">
+        <a:defRPr sz="2400" b="0" i="0" u="none" strike="noStrike" cap="none" spc="0" baseline="0">
           <a:ln>
             <a:noFill/>
           </a:ln>
@@ -2703,7 +2787,7 @@
         <a:buFont typeface="Arial"/>
         <a:buChar char="•"/>
         <a:tabLst/>
-        <a:defRPr b="0" baseline="0" cap="none" i="0" spc="0" strike="noStrike" sz="2400" u="none">
+        <a:defRPr sz="2400" b="0" i="0" u="none" strike="noStrike" cap="none" spc="0" baseline="0">
           <a:ln>
             <a:noFill/>
           </a:ln>
@@ -2734,7 +2818,7 @@
         <a:buFont typeface="Arial"/>
         <a:buChar char="•"/>
         <a:tabLst/>
-        <a:defRPr b="0" baseline="0" cap="none" i="0" spc="0" strike="noStrike" sz="2400" u="none">
+        <a:defRPr sz="2400" b="0" i="0" u="none" strike="noStrike" cap="none" spc="0" baseline="0">
           <a:ln>
             <a:noFill/>
           </a:ln>
@@ -2765,7 +2849,7 @@
         <a:buFont typeface="Arial"/>
         <a:buChar char="•"/>
         <a:tabLst/>
-        <a:defRPr b="0" baseline="0" cap="none" i="0" spc="0" strike="noStrike" sz="2400" u="none">
+        <a:defRPr sz="2400" b="0" i="0" u="none" strike="noStrike" cap="none" spc="0" baseline="0">
           <a:ln>
             <a:noFill/>
           </a:ln>
@@ -2796,7 +2880,7 @@
         <a:buFont typeface="Arial"/>
         <a:buChar char="•"/>
         <a:tabLst/>
-        <a:defRPr b="0" baseline="0" cap="none" i="0" spc="0" strike="noStrike" sz="2400" u="none">
+        <a:defRPr sz="2400" b="0" i="0" u="none" strike="noStrike" cap="none" spc="0" baseline="0">
           <a:ln>
             <a:noFill/>
           </a:ln>
@@ -2827,7 +2911,7 @@
         <a:buFont typeface="Arial"/>
         <a:buChar char="•"/>
         <a:tabLst/>
-        <a:defRPr b="0" baseline="0" cap="none" i="0" spc="0" strike="noStrike" sz="2400" u="none">
+        <a:defRPr sz="2400" b="0" i="0" u="none" strike="noStrike" cap="none" spc="0" baseline="0">
           <a:ln>
             <a:noFill/>
           </a:ln>
@@ -2858,7 +2942,7 @@
         <a:buFontTx/>
         <a:buNone/>
         <a:tabLst/>
-        <a:defRPr b="0" baseline="0" cap="none" i="0" spc="0" strike="noStrike" sz="1200" u="none">
+        <a:defRPr sz="1200" b="0" i="0" u="none" strike="noStrike" cap="none" spc="0" baseline="0">
           <a:ln>
             <a:noFill/>
           </a:ln>
@@ -2887,7 +2971,7 @@
         <a:buFontTx/>
         <a:buNone/>
         <a:tabLst/>
-        <a:defRPr b="0" baseline="0" cap="none" i="0" spc="0" strike="noStrike" sz="1200" u="none">
+        <a:defRPr sz="1200" b="0" i="0" u="none" strike="noStrike" cap="none" spc="0" baseline="0">
           <a:ln>
             <a:noFill/>
           </a:ln>
@@ -2916,7 +3000,7 @@
         <a:buFontTx/>
         <a:buNone/>
         <a:tabLst/>
-        <a:defRPr b="0" baseline="0" cap="none" i="0" spc="0" strike="noStrike" sz="1200" u="none">
+        <a:defRPr sz="1200" b="0" i="0" u="none" strike="noStrike" cap="none" spc="0" baseline="0">
           <a:ln>
             <a:noFill/>
           </a:ln>
@@ -2945,7 +3029,7 @@
         <a:buFontTx/>
         <a:buNone/>
         <a:tabLst/>
-        <a:defRPr b="0" baseline="0" cap="none" i="0" spc="0" strike="noStrike" sz="1200" u="none">
+        <a:defRPr sz="1200" b="0" i="0" u="none" strike="noStrike" cap="none" spc="0" baseline="0">
           <a:ln>
             <a:noFill/>
           </a:ln>
@@ -2974,7 +3058,7 @@
         <a:buFontTx/>
         <a:buNone/>
         <a:tabLst/>
-        <a:defRPr b="0" baseline="0" cap="none" i="0" spc="0" strike="noStrike" sz="1200" u="none">
+        <a:defRPr sz="1200" b="0" i="0" u="none" strike="noStrike" cap="none" spc="0" baseline="0">
           <a:ln>
             <a:noFill/>
           </a:ln>
@@ -3003,7 +3087,7 @@
         <a:buFontTx/>
         <a:buNone/>
         <a:tabLst/>
-        <a:defRPr b="0" baseline="0" cap="none" i="0" spc="0" strike="noStrike" sz="1200" u="none">
+        <a:defRPr sz="1200" b="0" i="0" u="none" strike="noStrike" cap="none" spc="0" baseline="0">
           <a:ln>
             <a:noFill/>
           </a:ln>
@@ -3032,7 +3116,7 @@
         <a:buFontTx/>
         <a:buNone/>
         <a:tabLst/>
-        <a:defRPr b="0" baseline="0" cap="none" i="0" spc="0" strike="noStrike" sz="1200" u="none">
+        <a:defRPr sz="1200" b="0" i="0" u="none" strike="noStrike" cap="none" spc="0" baseline="0">
           <a:ln>
             <a:noFill/>
           </a:ln>
@@ -3061,7 +3145,7 @@
         <a:buFontTx/>
         <a:buNone/>
         <a:tabLst/>
-        <a:defRPr b="0" baseline="0" cap="none" i="0" spc="0" strike="noStrike" sz="1200" u="none">
+        <a:defRPr sz="1200" b="0" i="0" u="none" strike="noStrike" cap="none" spc="0" baseline="0">
           <a:ln>
             <a:noFill/>
           </a:ln>
@@ -3090,7 +3174,7 @@
         <a:buFontTx/>
         <a:buNone/>
         <a:tabLst/>
-        <a:defRPr b="0" baseline="0" cap="none" i="0" spc="0" strike="noStrike" sz="1200" u="none">
+        <a:defRPr sz="1200" b="0" i="0" u="none" strike="noStrike" cap="none" spc="0" baseline="0">
           <a:ln>
             <a:noFill/>
           </a:ln>
@@ -3110,7 +3194,7 @@
 </file>
 
 <file path=ppt/slides/slide1.xml><?xml version="1.0" encoding="utf-8"?>
-<p:sld xmlns:a="http://schemas.openxmlformats.org/drawingml/2006/main" xmlns:r="http://schemas.openxmlformats.org/officeDocument/2006/relationships" xmlns:p="http://schemas.openxmlformats.org/presentationml/2006/main" xmlns:m="http://schemas.openxmlformats.org/officeDocument/2006/math" xmlns:a14="http://schemas.microsoft.com/office/drawing/2010/main" showMasterSp="1" showMasterPhAnim="1">
+<p:sld xmlns:a="http://schemas.openxmlformats.org/drawingml/2006/main" xmlns:r="http://schemas.openxmlformats.org/officeDocument/2006/relationships" xmlns:p="http://schemas.openxmlformats.org/presentationml/2006/main">
   <p:cSld>
     <p:spTree>
       <p:nvGrpSpPr>
@@ -3129,7 +3213,9 @@
       <p:sp>
         <p:nvSpPr>
           <p:cNvPr id="112" name="Título 1"/>
-          <p:cNvSpPr txBox="1"/>
+          <p:cNvSpPr txBox="1">
+            <a:spLocks noGrp="1"/>
+          </p:cNvSpPr>
           <p:nvPr>
             <p:ph type="ctrTitle"/>
           </p:nvPr>
@@ -3143,7 +3229,6 @@
           <a:bodyPr/>
           <a:lstStyle/>
           <a:p>
-            <a:pPr/>
             <a:r>
               <a:t>Herramienta AFM  “Roughness”</a:t>
             </a:r>
@@ -3153,7 +3238,9 @@
       <p:sp>
         <p:nvSpPr>
           <p:cNvPr id="113" name="Subtítulo 2"/>
-          <p:cNvSpPr txBox="1"/>
+          <p:cNvSpPr txBox="1">
+            <a:spLocks noGrp="1"/>
+          </p:cNvSpPr>
           <p:nvPr>
             <p:ph type="subTitle" sz="quarter" idx="1"/>
           </p:nvPr>
@@ -3171,7 +3258,6 @@
           <a:bodyPr/>
           <a:lstStyle/>
           <a:p>
-            <a:pPr/>
             <a:r>
               <a:t>By: Díaz Castro Miguel Ángel, Hernández Vázquez Luis Alfonso, Maguey Chávez Diego Ricardo, Prieto Camarillo Javier, Quevedo Lozano Andres</a:t>
             </a:r>
@@ -3183,12 +3269,12 @@
   <p:clrMapOvr>
     <a:masterClrMapping/>
   </p:clrMapOvr>
-  <p:transition xmlns:p14="http://schemas.microsoft.com/office/powerpoint/2010/main" spd="med" advClick="1"/>
+  <p:transition spd="med"/>
 </p:sld>
 </file>
 
 <file path=ppt/slides/slide2.xml><?xml version="1.0" encoding="utf-8"?>
-<p:sld xmlns:a="http://schemas.openxmlformats.org/drawingml/2006/main" xmlns:r="http://schemas.openxmlformats.org/officeDocument/2006/relationships" xmlns:p="http://schemas.openxmlformats.org/presentationml/2006/main" xmlns:m="http://schemas.openxmlformats.org/officeDocument/2006/math" xmlns:a14="http://schemas.microsoft.com/office/drawing/2010/main" showMasterSp="1" showMasterPhAnim="1">
+<p:sld xmlns:a="http://schemas.openxmlformats.org/drawingml/2006/main" xmlns:r="http://schemas.openxmlformats.org/officeDocument/2006/relationships" xmlns:p="http://schemas.openxmlformats.org/presentationml/2006/main">
   <p:cSld>
     <p:spTree>
       <p:nvGrpSpPr>
@@ -3207,7 +3293,9 @@
       <p:sp>
         <p:nvSpPr>
           <p:cNvPr id="115" name="Título 12"/>
-          <p:cNvSpPr txBox="1"/>
+          <p:cNvSpPr txBox="1">
+            <a:spLocks noGrp="1"/>
+          </p:cNvSpPr>
           <p:nvPr>
             <p:ph type="title"/>
           </p:nvPr>
@@ -3229,17 +3317,20 @@
             </a:lvl1pPr>
           </a:lstStyle>
           <a:p>
-            <a:pPr/>
-            <a:r>
-              <a:t>AFM</a:t>
-            </a:r>
+            <a:r>
+              <a:rPr lang="es-MX" dirty="0"/>
+              <a:t>Microscopios de Fuerza Atómica</a:t>
+            </a:r>
+            <a:endParaRPr dirty="0"/>
           </a:p>
         </p:txBody>
       </p:sp>
       <p:sp>
         <p:nvSpPr>
           <p:cNvPr id="116" name="Marcador de contenido 13"/>
-          <p:cNvSpPr txBox="1"/>
+          <p:cNvSpPr txBox="1">
+            <a:spLocks noGrp="1"/>
+          </p:cNvSpPr>
           <p:nvPr>
             <p:ph type="body" sz="half" idx="1"/>
           </p:nvPr>
@@ -3257,50 +3348,146 @@
           <a:bodyPr/>
           <a:lstStyle/>
           <a:p>
-            <a:pPr/>
-            <a:r>
-              <a:t>Es una herramienta de tipo mecano-óptica capaz de detectar de forma continua la topografía de una superficie. </a:t>
-            </a:r>
-          </a:p>
-          <a:p>
-            <a:pPr/>
-            <a:r>
-              <a:t>Las partes más importantes de un AMF son: </a:t>
-            </a:r>
-          </a:p>
-          <a:p>
-            <a:pPr lvl="1" marL="685800" indent="-228600">
+            <a:r>
+              <a:rPr lang="es-MX" dirty="0"/>
+              <a:t>Un MAF es</a:t>
+            </a:r>
+            <a:r>
+              <a:rPr dirty="0"/>
+              <a:t> una </a:t>
+            </a:r>
+            <a:r>
+              <a:rPr dirty="0" err="1"/>
+              <a:t>herramienta</a:t>
+            </a:r>
+            <a:r>
+              <a:rPr dirty="0"/>
+              <a:t> </a:t>
+            </a:r>
+            <a:r>
+              <a:rPr dirty="0" err="1"/>
+              <a:t>mecano-óptica</a:t>
+            </a:r>
+            <a:r>
+              <a:rPr dirty="0"/>
+              <a:t> </a:t>
+            </a:r>
+            <a:r>
+              <a:rPr dirty="0" err="1"/>
+              <a:t>capaz</a:t>
+            </a:r>
+            <a:r>
+              <a:rPr dirty="0"/>
+              <a:t> de </a:t>
+            </a:r>
+            <a:r>
+              <a:rPr dirty="0" err="1"/>
+              <a:t>detectar</a:t>
+            </a:r>
+            <a:r>
+              <a:rPr dirty="0"/>
+              <a:t> de forma continua la </a:t>
+            </a:r>
+            <a:r>
+              <a:rPr dirty="0" err="1"/>
+              <a:t>topografía</a:t>
+            </a:r>
+            <a:r>
+              <a:rPr dirty="0"/>
+              <a:t> de una </a:t>
+            </a:r>
+            <a:r>
+              <a:rPr dirty="0" err="1"/>
+              <a:t>superficie</a:t>
+            </a:r>
+            <a:r>
+              <a:rPr dirty="0"/>
+              <a:t>. </a:t>
+            </a:r>
+          </a:p>
+          <a:p>
+            <a:r>
+              <a:rPr lang="es-MX" dirty="0"/>
+              <a:t>Los componentes básicos de un MAF son:</a:t>
+            </a:r>
+            <a:endParaRPr dirty="0"/>
+          </a:p>
+          <a:p>
+            <a:pPr marL="685800" lvl="1" indent="-228600">
               <a:spcBef>
                 <a:spcPts val="700"/>
               </a:spcBef>
               <a:defRPr sz="2000"/>
             </a:pPr>
             <a:r>
-              <a:t>una punta muy fina </a:t>
-            </a:r>
-          </a:p>
-          <a:p>
-            <a:pPr lvl="1" marL="685800" indent="-228600">
+              <a:rPr lang="es-MX" dirty="0"/>
+              <a:t>U</a:t>
+            </a:r>
+            <a:r>
+              <a:rPr dirty="0" err="1"/>
+              <a:t>na</a:t>
+            </a:r>
+            <a:r>
+              <a:rPr dirty="0"/>
+              <a:t> </a:t>
+            </a:r>
+            <a:r>
+              <a:rPr dirty="0" err="1"/>
+              <a:t>punta</a:t>
+            </a:r>
+            <a:r>
+              <a:rPr dirty="0"/>
+              <a:t> </a:t>
+            </a:r>
+            <a:r>
+              <a:rPr dirty="0" err="1"/>
+              <a:t>fina</a:t>
+            </a:r>
+            <a:r>
+              <a:rPr dirty="0"/>
+              <a:t> </a:t>
+            </a:r>
+            <a:r>
+              <a:rPr lang="es-MX" dirty="0"/>
+              <a:t>()</a:t>
+            </a:r>
+            <a:endParaRPr dirty="0"/>
+          </a:p>
+          <a:p>
+            <a:pPr marL="685800" lvl="1" indent="-228600">
               <a:spcBef>
                 <a:spcPts val="700"/>
               </a:spcBef>
               <a:defRPr sz="2000"/>
             </a:pPr>
             <a:r>
-              <a:t>Un láser </a:t>
-            </a:r>
-          </a:p>
-          <a:p>
-            <a:pPr lvl="1" marL="685800" indent="-228600">
+              <a:rPr dirty="0"/>
+              <a:t>Un </a:t>
+            </a:r>
+            <a:r>
+              <a:rPr dirty="0" err="1"/>
+              <a:t>láser</a:t>
+            </a:r>
+            <a:r>
+              <a:rPr dirty="0"/>
+              <a:t> </a:t>
+            </a:r>
+          </a:p>
+          <a:p>
+            <a:pPr marL="685800" lvl="1" indent="-228600">
               <a:spcBef>
                 <a:spcPts val="700"/>
               </a:spcBef>
               <a:defRPr sz="2000"/>
             </a:pPr>
             <a:r>
-              <a:t>Un sensor de lectura y respuesta.</a:t>
-            </a:r>
-            <a:br/>
+              <a:rPr lang="es-MX" dirty="0"/>
+              <a:t>Un arreglo de sensores ópticos.</a:t>
+            </a:r>
+            <a:br>
+              <a:rPr dirty="0"/>
+            </a:br>
+            <a:endParaRPr dirty="0"/>
           </a:p>
         </p:txBody>
       </p:sp>
@@ -3322,8 +3509,8 @@
         </p:blipFill>
         <p:spPr>
           <a:xfrm>
-            <a:off x="8800810" y="4218992"/>
-            <a:ext cx="3048001" cy="2286002"/>
+            <a:off x="9052439" y="4067883"/>
+            <a:ext cx="2562223" cy="1921669"/>
           </a:xfrm>
           <a:prstGeom prst="rect">
             <a:avLst/>
@@ -3351,8 +3538,8 @@
         </p:blipFill>
         <p:spPr>
           <a:xfrm>
-            <a:off x="8631800" y="1131662"/>
-            <a:ext cx="3386022" cy="2708818"/>
+            <a:off x="9052439" y="1790701"/>
+            <a:ext cx="2562223" cy="2049779"/>
           </a:xfrm>
           <a:prstGeom prst="rect">
             <a:avLst/>
@@ -3367,12 +3554,12 @@
   <p:clrMapOvr>
     <a:masterClrMapping/>
   </p:clrMapOvr>
-  <p:transition xmlns:p14="http://schemas.microsoft.com/office/powerpoint/2010/main" spd="med" advClick="1"/>
+  <p:transition spd="med"/>
 </p:sld>
 </file>
 
 <file path=ppt/slides/slide3.xml><?xml version="1.0" encoding="utf-8"?>
-<p:sld xmlns:a="http://schemas.openxmlformats.org/drawingml/2006/main" xmlns:r="http://schemas.openxmlformats.org/officeDocument/2006/relationships" xmlns:p="http://schemas.openxmlformats.org/presentationml/2006/main" xmlns:m="http://schemas.openxmlformats.org/officeDocument/2006/math" xmlns:a14="http://schemas.microsoft.com/office/drawing/2010/main" showMasterSp="1" showMasterPhAnim="1">
+<p:sld xmlns:a="http://schemas.openxmlformats.org/drawingml/2006/main" xmlns:r="http://schemas.openxmlformats.org/officeDocument/2006/relationships" xmlns:p="http://schemas.openxmlformats.org/presentationml/2006/main">
   <p:cSld>
     <p:spTree>
       <p:nvGrpSpPr>
@@ -3391,7 +3578,9 @@
       <p:sp>
         <p:nvSpPr>
           <p:cNvPr id="120" name="Título 1"/>
-          <p:cNvSpPr txBox="1"/>
+          <p:cNvSpPr txBox="1">
+            <a:spLocks noGrp="1"/>
+          </p:cNvSpPr>
           <p:nvPr>
             <p:ph type="title"/>
           </p:nvPr>
@@ -3409,7 +3598,6 @@
           <a:bodyPr/>
           <a:lstStyle/>
           <a:p>
-            <a:pPr/>
             <a:r>
               <a:t>Funcionalidad</a:t>
             </a:r>
@@ -3419,7 +3607,9 @@
       <p:sp>
         <p:nvSpPr>
           <p:cNvPr id="121" name="Marcador de contenido 2"/>
-          <p:cNvSpPr txBox="1"/>
+          <p:cNvSpPr txBox="1">
+            <a:spLocks noGrp="1"/>
+          </p:cNvSpPr>
           <p:nvPr>
             <p:ph type="body" sz="half" idx="1"/>
           </p:nvPr>
@@ -3437,7 +3627,7 @@
           <a:bodyPr/>
           <a:lstStyle/>
           <a:p>
-            <a:pPr lvl="1" marL="228600" indent="-228600"/>
+            <a:pPr marL="228600" lvl="1" indent="-228600"/>
             <a:r>
               <a:t>Se coloca la punta sobre la superficie deseada, y se traslada a lo largo de esta. Las irregularidades en la superficie causan que el reflejo del láser tenga variaciones, las cuales son interpretadas por el sensor. </a:t>
             </a:r>
@@ -3478,12 +3668,12 @@
   <p:clrMapOvr>
     <a:masterClrMapping/>
   </p:clrMapOvr>
-  <p:transition xmlns:p14="http://schemas.microsoft.com/office/powerpoint/2010/main" spd="med" advClick="1"/>
+  <p:transition spd="med"/>
 </p:sld>
 </file>
 
 <file path=ppt/slides/slide4.xml><?xml version="1.0" encoding="utf-8"?>
-<p:sld xmlns:a="http://schemas.openxmlformats.org/drawingml/2006/main" xmlns:r="http://schemas.openxmlformats.org/officeDocument/2006/relationships" xmlns:p="http://schemas.openxmlformats.org/presentationml/2006/main" xmlns:m="http://schemas.openxmlformats.org/officeDocument/2006/math" xmlns:a14="http://schemas.microsoft.com/office/drawing/2010/main" showMasterSp="1" showMasterPhAnim="1">
+<p:sld xmlns:a="http://schemas.openxmlformats.org/drawingml/2006/main" xmlns:r="http://schemas.openxmlformats.org/officeDocument/2006/relationships" xmlns:p="http://schemas.openxmlformats.org/presentationml/2006/main">
   <p:cSld>
     <p:spTree>
       <p:nvGrpSpPr>
@@ -3502,7 +3692,9 @@
       <p:sp>
         <p:nvSpPr>
           <p:cNvPr id="124" name="Título 1"/>
-          <p:cNvSpPr txBox="1"/>
+          <p:cNvSpPr txBox="1">
+            <a:spLocks noGrp="1"/>
+          </p:cNvSpPr>
           <p:nvPr>
             <p:ph type="title"/>
           </p:nvPr>
@@ -3520,7 +3712,6 @@
           <a:bodyPr/>
           <a:lstStyle/>
           <a:p>
-            <a:pPr/>
             <a:r>
               <a:t>Usos AFM</a:t>
             </a:r>
@@ -3530,7 +3721,9 @@
       <p:sp>
         <p:nvSpPr>
           <p:cNvPr id="125" name="Marcador de contenido 2"/>
-          <p:cNvSpPr txBox="1"/>
+          <p:cNvSpPr txBox="1">
+            <a:spLocks noGrp="1"/>
+          </p:cNvSpPr>
           <p:nvPr>
             <p:ph type="body" idx="1"/>
           </p:nvPr>
@@ -3548,25 +3741,21 @@
           <a:bodyPr/>
           <a:lstStyle/>
           <a:p>
-            <a:pPr/>
             <a:r>
               <a:t>Notar el deterioro y la razón de deterioro en distintos materiales (metales, cerámica, pinturas)</a:t>
             </a:r>
           </a:p>
           <a:p>
-            <a:pPr/>
             <a:r>
               <a:t>Autentificar obras de arte, esculturas, etc.</a:t>
             </a:r>
           </a:p>
           <a:p>
-            <a:pPr/>
             <a:r>
               <a:t>Encontrar la mejor forma de restaurar y proteger contra los elementos y el paso del tiempo a pinturas, documentos, libros, etc. </a:t>
             </a:r>
           </a:p>
           <a:p>
-            <a:pPr/>
             <a:r>
               <a:t>Detectar anomalías en sistemas y órganos esenciales en el cuerpo humano.</a:t>
             </a:r>
@@ -3578,12 +3767,12 @@
   <p:clrMapOvr>
     <a:masterClrMapping/>
   </p:clrMapOvr>
-  <p:transition xmlns:p14="http://schemas.microsoft.com/office/powerpoint/2010/main" spd="med" advClick="1"/>
+  <p:transition spd="med"/>
 </p:sld>
 </file>
 
 <file path=ppt/slides/slide5.xml><?xml version="1.0" encoding="utf-8"?>
-<p:sld xmlns:a="http://schemas.openxmlformats.org/drawingml/2006/main" xmlns:r="http://schemas.openxmlformats.org/officeDocument/2006/relationships" xmlns:p="http://schemas.openxmlformats.org/presentationml/2006/main" xmlns:m="http://schemas.openxmlformats.org/officeDocument/2006/math" xmlns:a14="http://schemas.microsoft.com/office/drawing/2010/main" showMasterSp="1" showMasterPhAnim="1">
+<p:sld xmlns:a="http://schemas.openxmlformats.org/drawingml/2006/main" xmlns:r="http://schemas.openxmlformats.org/officeDocument/2006/relationships" xmlns:p="http://schemas.openxmlformats.org/presentationml/2006/main">
   <p:cSld>
     <p:spTree>
       <p:nvGrpSpPr>
@@ -3602,7 +3791,9 @@
       <p:sp>
         <p:nvSpPr>
           <p:cNvPr id="127" name="Título 1"/>
-          <p:cNvSpPr txBox="1"/>
+          <p:cNvSpPr txBox="1">
+            <a:spLocks noGrp="1"/>
+          </p:cNvSpPr>
           <p:nvPr>
             <p:ph type="title"/>
           </p:nvPr>
@@ -3624,7 +3815,6 @@
             </a:lvl1pPr>
           </a:lstStyle>
           <a:p>
-            <a:pPr/>
             <a:r>
               <a:t>Programa MatLab</a:t>
             </a:r>
@@ -3634,7 +3824,9 @@
       <p:sp>
         <p:nvSpPr>
           <p:cNvPr id="128" name="Marcador de contenido 2"/>
-          <p:cNvSpPr txBox="1"/>
+          <p:cNvSpPr txBox="1">
+            <a:spLocks noGrp="1"/>
+          </p:cNvSpPr>
           <p:nvPr>
             <p:ph type="body" idx="1"/>
           </p:nvPr>
@@ -3679,7 +3871,7 @@
             <a:endParaRPr sz="2200"/>
           </a:p>
           <a:p>
-            <a:pPr lvl="1" marL="685800" indent="-228600">
+            <a:pPr marL="685800" lvl="1" indent="-228600">
               <a:lnSpc>
                 <a:spcPct val="81000"/>
               </a:lnSpc>
@@ -3701,7 +3893,7 @@
                     <a:srgbClr val="CC9900"/>
                   </a:solidFill>
                 </a:uFill>
-                <a:hlinkClick r:id="rId2" invalidUrl="" action="" tgtFrame="" tooltip="" history="1" highlightClick="0" endSnd="0"/>
+                <a:hlinkClick r:id="rId2"/>
               </a:rPr>
               <a:t>codigo</a:t>
             </a:r>
@@ -3715,7 +3907,7 @@
             </a:r>
           </a:p>
           <a:p>
-            <a:pPr lvl="1" marL="685800" indent="-228600">
+            <a:pPr marL="685800" lvl="1" indent="-228600">
               <a:lnSpc>
                 <a:spcPct val="81000"/>
               </a:lnSpc>
@@ -3737,7 +3929,7 @@
                     <a:srgbClr val="CC9900"/>
                   </a:solidFill>
                 </a:uFill>
-                <a:hlinkClick r:id="rId3" invalidUrl="" action="" tgtFrame="" tooltip="" history="1" highlightClick="0" endSnd="0"/>
+                <a:hlinkClick r:id="rId3"/>
               </a:rPr>
               <a:t>codigo</a:t>
             </a:r>
@@ -3762,7 +3954,7 @@
                     <a:srgbClr val="CC9900"/>
                   </a:solidFill>
                 </a:uFill>
-                <a:hlinkClick r:id="rId4" invalidUrl="" action="" tgtFrame="" tooltip="" history="1" highlightClick="0" endSnd="0"/>
+                <a:hlinkClick r:id="rId4"/>
               </a:rPr>
               <a:t>diagrama</a:t>
             </a:r>
@@ -3776,7 +3968,7 @@
             </a:r>
           </a:p>
           <a:p>
-            <a:pPr lvl="1" marL="685800" indent="-228600">
+            <a:pPr marL="685800" lvl="1" indent="-228600">
               <a:lnSpc>
                 <a:spcPct val="81000"/>
               </a:lnSpc>
@@ -3798,7 +3990,7 @@
                     <a:srgbClr val="CC9900"/>
                   </a:solidFill>
                 </a:uFill>
-                <a:hlinkClick r:id="rId5" invalidUrl="" action="" tgtFrame="" tooltip="" history="1" highlightClick="0" endSnd="0"/>
+                <a:hlinkClick r:id="rId5"/>
               </a:rPr>
               <a:t>codigo</a:t>
             </a:r>
@@ -3823,7 +4015,7 @@
                     <a:srgbClr val="CC9900"/>
                   </a:solidFill>
                 </a:uFill>
-                <a:hlinkClick r:id="rId6" invalidUrl="" action="" tgtFrame="" tooltip="" history="1" highlightClick="0" endSnd="0"/>
+                <a:hlinkClick r:id="rId6"/>
               </a:rPr>
               <a:t>diagrama</a:t>
             </a:r>
@@ -3837,7 +4029,7 @@
             </a:r>
           </a:p>
           <a:p>
-            <a:pPr lvl="1" marL="685800" indent="-228600">
+            <a:pPr marL="685800" lvl="1" indent="-228600">
               <a:lnSpc>
                 <a:spcPct val="81000"/>
               </a:lnSpc>
@@ -3859,7 +4051,7 @@
                     <a:srgbClr val="CC9900"/>
                   </a:solidFill>
                 </a:uFill>
-                <a:hlinkClick r:id="rId7" invalidUrl="" action="" tgtFrame="" tooltip="" history="1" highlightClick="0" endSnd="0"/>
+                <a:hlinkClick r:id="rId7"/>
               </a:rPr>
               <a:t>codigo</a:t>
             </a:r>
@@ -3881,7 +4073,7 @@
                     <a:srgbClr val="CC9900"/>
                   </a:solidFill>
                 </a:uFill>
-                <a:hlinkClick r:id="rId8" invalidUrl="" action="" tgtFrame="" tooltip="" history="1" highlightClick="0" endSnd="0"/>
+                <a:hlinkClick r:id="rId8"/>
               </a:rPr>
               <a:t>diagrama</a:t>
             </a:r>
@@ -3895,7 +4087,7 @@
             </a:r>
           </a:p>
           <a:p>
-            <a:pPr lvl="1" marL="685800" indent="-228600">
+            <a:pPr marL="685800" lvl="1" indent="-228600">
               <a:lnSpc>
                 <a:spcPct val="81000"/>
               </a:lnSpc>
@@ -3917,7 +4109,7 @@
                     <a:srgbClr val="CC9900"/>
                   </a:solidFill>
                 </a:uFill>
-                <a:hlinkClick r:id="rId9" invalidUrl="" action="" tgtFrame="" tooltip="" history="1" highlightClick="0" endSnd="0"/>
+                <a:hlinkClick r:id="rId9"/>
               </a:rPr>
               <a:t>codigo</a:t>
             </a:r>
@@ -3942,7 +4134,7 @@
                     <a:srgbClr val="CC9900"/>
                   </a:solidFill>
                 </a:uFill>
-                <a:hlinkClick r:id="rId10" invalidUrl="" action="" tgtFrame="" tooltip="" history="1" highlightClick="0" endSnd="0"/>
+                <a:hlinkClick r:id="rId10"/>
               </a:rPr>
               <a:t>diagrama</a:t>
             </a:r>
@@ -3956,7 +4148,7 @@
             </a:r>
           </a:p>
           <a:p>
-            <a:pPr lvl="1" marL="685800" indent="-228600">
+            <a:pPr marL="685800" lvl="1" indent="-228600">
               <a:lnSpc>
                 <a:spcPct val="81000"/>
               </a:lnSpc>
@@ -3978,7 +4170,7 @@
                     <a:srgbClr val="CC9900"/>
                   </a:solidFill>
                 </a:uFill>
-                <a:hlinkClick r:id="rId11" invalidUrl="" action="" tgtFrame="" tooltip="" history="1" highlightClick="0" endSnd="0"/>
+                <a:hlinkClick r:id="rId11"/>
               </a:rPr>
               <a:t>codigo</a:t>
             </a:r>
@@ -4000,7 +4192,7 @@
                     <a:srgbClr val="CC9900"/>
                   </a:solidFill>
                 </a:uFill>
-                <a:hlinkClick r:id="rId12" invalidUrl="" action="" tgtFrame="" tooltip="" history="1" highlightClick="0" endSnd="0"/>
+                <a:hlinkClick r:id="rId12"/>
               </a:rPr>
               <a:t>diagrama</a:t>
             </a:r>
@@ -4014,7 +4206,7 @@
             </a:r>
           </a:p>
           <a:p>
-            <a:pPr lvl="1" marL="685800" indent="-228600">
+            <a:pPr marL="685800" lvl="1" indent="-228600">
               <a:lnSpc>
                 <a:spcPct val="81000"/>
               </a:lnSpc>
@@ -4036,7 +4228,7 @@
                     <a:srgbClr val="CC9900"/>
                   </a:solidFill>
                 </a:uFill>
-                <a:hlinkClick r:id="rId13" invalidUrl="" action="" tgtFrame="" tooltip="" history="1" highlightClick="0" endSnd="0"/>
+                <a:hlinkClick r:id="rId13"/>
               </a:rPr>
               <a:t>codigo</a:t>
             </a:r>
@@ -4061,7 +4253,7 @@
                     <a:srgbClr val="CC9900"/>
                   </a:solidFill>
                 </a:uFill>
-                <a:hlinkClick r:id="rId14" invalidUrl="" action="" tgtFrame="" tooltip="" history="1" highlightClick="0" endSnd="0"/>
+                <a:hlinkClick r:id="rId14"/>
               </a:rPr>
               <a:t>diagrama</a:t>
             </a:r>
@@ -4081,12 +4273,12 @@
   <p:clrMapOvr>
     <a:masterClrMapping/>
   </p:clrMapOvr>
-  <p:transition xmlns:p14="http://schemas.microsoft.com/office/powerpoint/2010/main" spd="med" advClick="1"/>
+  <p:transition spd="med"/>
 </p:sld>
 </file>
 
 <file path=ppt/slides/slide6.xml><?xml version="1.0" encoding="utf-8"?>
-<p:sld xmlns:a="http://schemas.openxmlformats.org/drawingml/2006/main" xmlns:r="http://schemas.openxmlformats.org/officeDocument/2006/relationships" xmlns:p="http://schemas.openxmlformats.org/presentationml/2006/main" xmlns:m="http://schemas.openxmlformats.org/officeDocument/2006/math" xmlns:a14="http://schemas.microsoft.com/office/drawing/2010/main" showMasterSp="1" showMasterPhAnim="1">
+<p:sld xmlns:a="http://schemas.openxmlformats.org/drawingml/2006/main" xmlns:r="http://schemas.openxmlformats.org/officeDocument/2006/relationships" xmlns:p="http://schemas.openxmlformats.org/presentationml/2006/main">
   <p:cSld>
     <p:spTree>
       <p:nvGrpSpPr>
@@ -4105,7 +4297,9 @@
       <p:sp>
         <p:nvSpPr>
           <p:cNvPr id="130" name="Título 1"/>
-          <p:cNvSpPr txBox="1"/>
+          <p:cNvSpPr txBox="1">
+            <a:spLocks noGrp="1"/>
+          </p:cNvSpPr>
           <p:nvPr>
             <p:ph type="title"/>
           </p:nvPr>
@@ -4123,14 +4317,16 @@
           <a:bodyPr/>
           <a:lstStyle/>
           <a:p>
-            <a:pPr/>
+            <a:endParaRPr/>
           </a:p>
         </p:txBody>
       </p:sp>
       <p:sp>
         <p:nvSpPr>
           <p:cNvPr id="131" name="Marcador de contenido 2"/>
-          <p:cNvSpPr txBox="1"/>
+          <p:cNvSpPr txBox="1">
+            <a:spLocks noGrp="1"/>
+          </p:cNvSpPr>
           <p:nvPr>
             <p:ph type="body" idx="1"/>
           </p:nvPr>
@@ -4148,7 +4344,7 @@
           <a:bodyPr/>
           <a:lstStyle/>
           <a:p>
-            <a:pPr/>
+            <a:endParaRPr/>
           </a:p>
         </p:txBody>
       </p:sp>
@@ -4157,12 +4353,12 @@
   <p:clrMapOvr>
     <a:masterClrMapping/>
   </p:clrMapOvr>
-  <p:transition xmlns:p14="http://schemas.microsoft.com/office/powerpoint/2010/main" spd="med" advClick="1"/>
+  <p:transition spd="med"/>
 </p:sld>
 </file>
 
 <file path=ppt/theme/theme1.xml><?xml version="1.0" encoding="utf-8"?>
-<a:theme xmlns:a="http://schemas.openxmlformats.org/drawingml/2006/main" xmlns:r="http://schemas.openxmlformats.org/officeDocument/2006/relationships" name="Plantilla de diseño de lexicón vertical">
+<a:theme xmlns:a="http://schemas.openxmlformats.org/drawingml/2006/main" name="Plantilla de diseño de lexicón vertical">
   <a:themeElements>
     <a:clrScheme name="Plantilla de diseño de lexicón vertical">
       <a:dk1>
@@ -4364,7 +4560,7 @@
         <a:effectLst/>
         <a:sp3d/>
       </a:spPr>
-      <a:bodyPr rot="0" spcFirstLastPara="1" vertOverflow="overflow" horzOverflow="overflow" vert="horz" wrap="square" lIns="45719" tIns="45719" rIns="45719" bIns="45719" numCol="1" spcCol="38100" rtlCol="0" anchor="ctr" upright="0">
+      <a:bodyPr rot="0" spcFirstLastPara="1" vertOverflow="overflow" horzOverflow="overflow" vert="horz" wrap="square" lIns="45719" tIns="45719" rIns="45719" bIns="45719" numCol="1" spcCol="38100" rtlCol="0" anchor="ctr">
         <a:spAutoFit/>
       </a:bodyPr>
       <a:lstStyle>
@@ -4383,7 +4579,7 @@
           <a:buFontTx/>
           <a:buNone/>
           <a:tabLst/>
-          <a:defRPr b="0" baseline="0" cap="none" i="0" spc="0" strike="noStrike" sz="1800" u="none" kumimoji="0" normalizeH="0">
+          <a:defRPr kumimoji="0" sz="1800" b="0" i="0" u="none" strike="noStrike" cap="none" spc="0" normalizeH="0" baseline="0">
             <a:ln>
               <a:noFill/>
             </a:ln>
@@ -4413,7 +4609,7 @@
           <a:buFontTx/>
           <a:buNone/>
           <a:tabLst/>
-          <a:defRPr b="0" baseline="0" cap="none" i="0" spc="0" strike="noStrike" sz="1800" u="none" kumimoji="0" normalizeH="0">
+          <a:defRPr kumimoji="0" sz="1800" b="0" i="0" u="none" strike="noStrike" cap="none" spc="0" normalizeH="0" baseline="0">
             <a:ln>
               <a:noFill/>
             </a:ln>
@@ -4439,7 +4635,7 @@
           <a:buFontTx/>
           <a:buNone/>
           <a:tabLst/>
-          <a:defRPr b="0" baseline="0" cap="none" i="0" spc="0" strike="noStrike" sz="1800" u="none" kumimoji="0" normalizeH="0">
+          <a:defRPr kumimoji="0" sz="1800" b="0" i="0" u="none" strike="noStrike" cap="none" spc="0" normalizeH="0" baseline="0">
             <a:ln>
               <a:noFill/>
             </a:ln>
@@ -4465,7 +4661,7 @@
           <a:buFontTx/>
           <a:buNone/>
           <a:tabLst/>
-          <a:defRPr b="0" baseline="0" cap="none" i="0" spc="0" strike="noStrike" sz="1800" u="none" kumimoji="0" normalizeH="0">
+          <a:defRPr kumimoji="0" sz="1800" b="0" i="0" u="none" strike="noStrike" cap="none" spc="0" normalizeH="0" baseline="0">
             <a:ln>
               <a:noFill/>
             </a:ln>
@@ -4491,7 +4687,7 @@
           <a:buFontTx/>
           <a:buNone/>
           <a:tabLst/>
-          <a:defRPr b="0" baseline="0" cap="none" i="0" spc="0" strike="noStrike" sz="1800" u="none" kumimoji="0" normalizeH="0">
+          <a:defRPr kumimoji="0" sz="1800" b="0" i="0" u="none" strike="noStrike" cap="none" spc="0" normalizeH="0" baseline="0">
             <a:ln>
               <a:noFill/>
             </a:ln>
@@ -4517,7 +4713,7 @@
           <a:buFontTx/>
           <a:buNone/>
           <a:tabLst/>
-          <a:defRPr b="0" baseline="0" cap="none" i="0" spc="0" strike="noStrike" sz="1800" u="none" kumimoji="0" normalizeH="0">
+          <a:defRPr kumimoji="0" sz="1800" b="0" i="0" u="none" strike="noStrike" cap="none" spc="0" normalizeH="0" baseline="0">
             <a:ln>
               <a:noFill/>
             </a:ln>
@@ -4543,7 +4739,7 @@
           <a:buFontTx/>
           <a:buNone/>
           <a:tabLst/>
-          <a:defRPr b="0" baseline="0" cap="none" i="0" spc="0" strike="noStrike" sz="1800" u="none" kumimoji="0" normalizeH="0">
+          <a:defRPr kumimoji="0" sz="1800" b="0" i="0" u="none" strike="noStrike" cap="none" spc="0" normalizeH="0" baseline="0">
             <a:ln>
               <a:noFill/>
             </a:ln>
@@ -4569,7 +4765,7 @@
           <a:buFontTx/>
           <a:buNone/>
           <a:tabLst/>
-          <a:defRPr b="0" baseline="0" cap="none" i="0" spc="0" strike="noStrike" sz="1800" u="none" kumimoji="0" normalizeH="0">
+          <a:defRPr kumimoji="0" sz="1800" b="0" i="0" u="none" strike="noStrike" cap="none" spc="0" normalizeH="0" baseline="0">
             <a:ln>
               <a:noFill/>
             </a:ln>
@@ -4595,7 +4791,7 @@
           <a:buFontTx/>
           <a:buNone/>
           <a:tabLst/>
-          <a:defRPr b="0" baseline="0" cap="none" i="0" spc="0" strike="noStrike" sz="1800" u="none" kumimoji="0" normalizeH="0">
+          <a:defRPr kumimoji="0" sz="1800" b="0" i="0" u="none" strike="noStrike" cap="none" spc="0" normalizeH="0" baseline="0">
             <a:ln>
               <a:noFill/>
             </a:ln>
@@ -4621,7 +4817,7 @@
           <a:buFontTx/>
           <a:buNone/>
           <a:tabLst/>
-          <a:defRPr b="0" baseline="0" cap="none" i="0" spc="0" strike="noStrike" sz="1800" u="none" kumimoji="0" normalizeH="0">
+          <a:defRPr kumimoji="0" sz="1800" b="0" i="0" u="none" strike="noStrike" cap="none" spc="0" normalizeH="0" baseline="0">
             <a:ln>
               <a:noFill/>
             </a:ln>
@@ -4634,9 +4830,15 @@
         </a:lvl9pPr>
       </a:lstStyle>
       <a:style>
-        <a:lnRef idx="0"/>
-        <a:fillRef idx="0"/>
-        <a:effectRef idx="0"/>
+        <a:lnRef idx="0">
+          <a:scrgbClr r="0" g="0" b="0"/>
+        </a:lnRef>
+        <a:fillRef idx="0">
+          <a:scrgbClr r="0" g="0" b="0"/>
+        </a:fillRef>
+        <a:effectRef idx="0">
+          <a:scrgbClr r="0" g="0" b="0"/>
+        </a:effectRef>
         <a:fontRef idx="none"/>
       </a:style>
     </a:spDef>
@@ -4653,7 +4855,7 @@
         <a:effectLst/>
         <a:sp3d/>
       </a:spPr>
-      <a:bodyPr rot="0" spcFirstLastPara="1" vertOverflow="overflow" horzOverflow="overflow" vert="horz" wrap="square" lIns="91439" tIns="45719" rIns="91439" bIns="45719" numCol="1" spcCol="38100" rtlCol="0" anchor="t" upright="0">
+      <a:bodyPr rot="0" spcFirstLastPara="1" vertOverflow="overflow" horzOverflow="overflow" vert="horz" wrap="square" lIns="91439" tIns="45719" rIns="91439" bIns="45719" numCol="1" spcCol="38100" rtlCol="0" anchor="t">
         <a:noAutofit/>
       </a:bodyPr>
       <a:lstStyle>
@@ -4672,7 +4874,7 @@
           <a:buFontTx/>
           <a:buNone/>
           <a:tabLst/>
-          <a:defRPr b="0" baseline="0" cap="none" i="0" spc="0" strike="noStrike" sz="1800" u="none" kumimoji="0" normalizeH="0">
+          <a:defRPr kumimoji="0" sz="1800" b="0" i="0" u="none" strike="noStrike" cap="none" spc="0" normalizeH="0" baseline="0">
             <a:ln>
               <a:noFill/>
             </a:ln>
@@ -4698,7 +4900,7 @@
           <a:buFontTx/>
           <a:buNone/>
           <a:tabLst/>
-          <a:defRPr b="0" baseline="0" cap="none" i="0" spc="0" strike="noStrike" sz="1800" u="none" kumimoji="0" normalizeH="0">
+          <a:defRPr kumimoji="0" sz="1800" b="0" i="0" u="none" strike="noStrike" cap="none" spc="0" normalizeH="0" baseline="0">
             <a:ln>
               <a:noFill/>
             </a:ln>
@@ -4724,7 +4926,7 @@
           <a:buFontTx/>
           <a:buNone/>
           <a:tabLst/>
-          <a:defRPr b="0" baseline="0" cap="none" i="0" spc="0" strike="noStrike" sz="1800" u="none" kumimoji="0" normalizeH="0">
+          <a:defRPr kumimoji="0" sz="1800" b="0" i="0" u="none" strike="noStrike" cap="none" spc="0" normalizeH="0" baseline="0">
             <a:ln>
               <a:noFill/>
             </a:ln>
@@ -4750,7 +4952,7 @@
           <a:buFontTx/>
           <a:buNone/>
           <a:tabLst/>
-          <a:defRPr b="0" baseline="0" cap="none" i="0" spc="0" strike="noStrike" sz="1800" u="none" kumimoji="0" normalizeH="0">
+          <a:defRPr kumimoji="0" sz="1800" b="0" i="0" u="none" strike="noStrike" cap="none" spc="0" normalizeH="0" baseline="0">
             <a:ln>
               <a:noFill/>
             </a:ln>
@@ -4776,7 +4978,7 @@
           <a:buFontTx/>
           <a:buNone/>
           <a:tabLst/>
-          <a:defRPr b="0" baseline="0" cap="none" i="0" spc="0" strike="noStrike" sz="1800" u="none" kumimoji="0" normalizeH="0">
+          <a:defRPr kumimoji="0" sz="1800" b="0" i="0" u="none" strike="noStrike" cap="none" spc="0" normalizeH="0" baseline="0">
             <a:ln>
               <a:noFill/>
             </a:ln>
@@ -4802,7 +5004,7 @@
           <a:buFontTx/>
           <a:buNone/>
           <a:tabLst/>
-          <a:defRPr b="0" baseline="0" cap="none" i="0" spc="0" strike="noStrike" sz="1800" u="none" kumimoji="0" normalizeH="0">
+          <a:defRPr kumimoji="0" sz="1800" b="0" i="0" u="none" strike="noStrike" cap="none" spc="0" normalizeH="0" baseline="0">
             <a:ln>
               <a:noFill/>
             </a:ln>
@@ -4828,7 +5030,7 @@
           <a:buFontTx/>
           <a:buNone/>
           <a:tabLst/>
-          <a:defRPr b="0" baseline="0" cap="none" i="0" spc="0" strike="noStrike" sz="1800" u="none" kumimoji="0" normalizeH="0">
+          <a:defRPr kumimoji="0" sz="1800" b="0" i="0" u="none" strike="noStrike" cap="none" spc="0" normalizeH="0" baseline="0">
             <a:ln>
               <a:noFill/>
             </a:ln>
@@ -4854,7 +5056,7 @@
           <a:buFontTx/>
           <a:buNone/>
           <a:tabLst/>
-          <a:defRPr b="0" baseline="0" cap="none" i="0" spc="0" strike="noStrike" sz="1800" u="none" kumimoji="0" normalizeH="0">
+          <a:defRPr kumimoji="0" sz="1800" b="0" i="0" u="none" strike="noStrike" cap="none" spc="0" normalizeH="0" baseline="0">
             <a:ln>
               <a:noFill/>
             </a:ln>
@@ -4880,7 +5082,7 @@
           <a:buFontTx/>
           <a:buNone/>
           <a:tabLst/>
-          <a:defRPr b="0" baseline="0" cap="none" i="0" spc="0" strike="noStrike" sz="1800" u="none" kumimoji="0" normalizeH="0">
+          <a:defRPr kumimoji="0" sz="1800" b="0" i="0" u="none" strike="noStrike" cap="none" spc="0" normalizeH="0" baseline="0">
             <a:ln>
               <a:noFill/>
             </a:ln>
@@ -4906,7 +5108,7 @@
           <a:buFontTx/>
           <a:buNone/>
           <a:tabLst/>
-          <a:defRPr b="0" baseline="0" cap="none" i="0" spc="0" strike="noStrike" sz="1800" u="none" kumimoji="0" normalizeH="0">
+          <a:defRPr kumimoji="0" sz="1800" b="0" i="0" u="none" strike="noStrike" cap="none" spc="0" normalizeH="0" baseline="0">
             <a:ln>
               <a:noFill/>
             </a:ln>
@@ -4919,9 +5121,15 @@
         </a:lvl9pPr>
       </a:lstStyle>
       <a:style>
-        <a:lnRef idx="0"/>
-        <a:fillRef idx="0"/>
-        <a:effectRef idx="0"/>
+        <a:lnRef idx="0">
+          <a:scrgbClr r="0" g="0" b="0"/>
+        </a:lnRef>
+        <a:fillRef idx="0">
+          <a:scrgbClr r="0" g="0" b="0"/>
+        </a:fillRef>
+        <a:effectRef idx="0">
+          <a:scrgbClr r="0" g="0" b="0"/>
+        </a:effectRef>
         <a:fontRef idx="none"/>
       </a:style>
     </a:lnDef>
@@ -4935,7 +5143,7 @@
         <a:effectLst/>
         <a:sp3d/>
       </a:spPr>
-      <a:bodyPr rot="0" spcFirstLastPara="1" vertOverflow="overflow" horzOverflow="overflow" vert="horz" wrap="square" lIns="45719" tIns="45719" rIns="45719" bIns="45719" numCol="1" spcCol="38100" rtlCol="0" anchor="t" upright="0">
+      <a:bodyPr rot="0" spcFirstLastPara="1" vertOverflow="overflow" horzOverflow="overflow" vert="horz" wrap="square" lIns="45719" tIns="45719" rIns="45719" bIns="45719" numCol="1" spcCol="38100" rtlCol="0" anchor="t">
         <a:spAutoFit/>
       </a:bodyPr>
       <a:lstStyle>
@@ -4954,7 +5162,7 @@
           <a:buFontTx/>
           <a:buNone/>
           <a:tabLst/>
-          <a:defRPr b="0" baseline="0" cap="none" i="0" spc="0" strike="noStrike" sz="1800" u="none" kumimoji="0" normalizeH="0">
+          <a:defRPr kumimoji="0" sz="1800" b="0" i="0" u="none" strike="noStrike" cap="none" spc="0" normalizeH="0" baseline="0">
             <a:ln>
               <a:noFill/>
             </a:ln>
@@ -4984,7 +5192,7 @@
           <a:buFontTx/>
           <a:buNone/>
           <a:tabLst/>
-          <a:defRPr b="0" baseline="0" cap="none" i="0" spc="0" strike="noStrike" sz="1800" u="none" kumimoji="0" normalizeH="0">
+          <a:defRPr kumimoji="0" sz="1800" b="0" i="0" u="none" strike="noStrike" cap="none" spc="0" normalizeH="0" baseline="0">
             <a:ln>
               <a:noFill/>
             </a:ln>
@@ -5010,7 +5218,7 @@
           <a:buFontTx/>
           <a:buNone/>
           <a:tabLst/>
-          <a:defRPr b="0" baseline="0" cap="none" i="0" spc="0" strike="noStrike" sz="1800" u="none" kumimoji="0" normalizeH="0">
+          <a:defRPr kumimoji="0" sz="1800" b="0" i="0" u="none" strike="noStrike" cap="none" spc="0" normalizeH="0" baseline="0">
             <a:ln>
               <a:noFill/>
             </a:ln>
@@ -5036,7 +5244,7 @@
           <a:buFontTx/>
           <a:buNone/>
           <a:tabLst/>
-          <a:defRPr b="0" baseline="0" cap="none" i="0" spc="0" strike="noStrike" sz="1800" u="none" kumimoji="0" normalizeH="0">
+          <a:defRPr kumimoji="0" sz="1800" b="0" i="0" u="none" strike="noStrike" cap="none" spc="0" normalizeH="0" baseline="0">
             <a:ln>
               <a:noFill/>
             </a:ln>
@@ -5062,7 +5270,7 @@
           <a:buFontTx/>
           <a:buNone/>
           <a:tabLst/>
-          <a:defRPr b="0" baseline="0" cap="none" i="0" spc="0" strike="noStrike" sz="1800" u="none" kumimoji="0" normalizeH="0">
+          <a:defRPr kumimoji="0" sz="1800" b="0" i="0" u="none" strike="noStrike" cap="none" spc="0" normalizeH="0" baseline="0">
             <a:ln>
               <a:noFill/>
             </a:ln>
@@ -5088,7 +5296,7 @@
           <a:buFontTx/>
           <a:buNone/>
           <a:tabLst/>
-          <a:defRPr b="0" baseline="0" cap="none" i="0" spc="0" strike="noStrike" sz="1800" u="none" kumimoji="0" normalizeH="0">
+          <a:defRPr kumimoji="0" sz="1800" b="0" i="0" u="none" strike="noStrike" cap="none" spc="0" normalizeH="0" baseline="0">
             <a:ln>
               <a:noFill/>
             </a:ln>
@@ -5114,7 +5322,7 @@
           <a:buFontTx/>
           <a:buNone/>
           <a:tabLst/>
-          <a:defRPr b="0" baseline="0" cap="none" i="0" spc="0" strike="noStrike" sz="1800" u="none" kumimoji="0" normalizeH="0">
+          <a:defRPr kumimoji="0" sz="1800" b="0" i="0" u="none" strike="noStrike" cap="none" spc="0" normalizeH="0" baseline="0">
             <a:ln>
               <a:noFill/>
             </a:ln>
@@ -5140,7 +5348,7 @@
           <a:buFontTx/>
           <a:buNone/>
           <a:tabLst/>
-          <a:defRPr b="0" baseline="0" cap="none" i="0" spc="0" strike="noStrike" sz="1800" u="none" kumimoji="0" normalizeH="0">
+          <a:defRPr kumimoji="0" sz="1800" b="0" i="0" u="none" strike="noStrike" cap="none" spc="0" normalizeH="0" baseline="0">
             <a:ln>
               <a:noFill/>
             </a:ln>
@@ -5166,7 +5374,7 @@
           <a:buFontTx/>
           <a:buNone/>
           <a:tabLst/>
-          <a:defRPr b="0" baseline="0" cap="none" i="0" spc="0" strike="noStrike" sz="1800" u="none" kumimoji="0" normalizeH="0">
+          <a:defRPr kumimoji="0" sz="1800" b="0" i="0" u="none" strike="noStrike" cap="none" spc="0" normalizeH="0" baseline="0">
             <a:ln>
               <a:noFill/>
             </a:ln>
@@ -5192,7 +5400,7 @@
           <a:buFontTx/>
           <a:buNone/>
           <a:tabLst/>
-          <a:defRPr b="0" baseline="0" cap="none" i="0" spc="0" strike="noStrike" sz="1800" u="none" kumimoji="0" normalizeH="0">
+          <a:defRPr kumimoji="0" sz="1800" b="0" i="0" u="none" strike="noStrike" cap="none" spc="0" normalizeH="0" baseline="0">
             <a:ln>
               <a:noFill/>
             </a:ln>
@@ -5205,18 +5413,25 @@
         </a:lvl9pPr>
       </a:lstStyle>
       <a:style>
-        <a:lnRef idx="0"/>
-        <a:fillRef idx="0"/>
-        <a:effectRef idx="0"/>
+        <a:lnRef idx="0">
+          <a:scrgbClr r="0" g="0" b="0"/>
+        </a:lnRef>
+        <a:fillRef idx="0">
+          <a:scrgbClr r="0" g="0" b="0"/>
+        </a:fillRef>
+        <a:effectRef idx="0">
+          <a:scrgbClr r="0" g="0" b="0"/>
+        </a:effectRef>
         <a:fontRef idx="none"/>
       </a:style>
     </a:txDef>
   </a:objectDefaults>
+  <a:extraClrSchemeLst/>
 </a:theme>
 </file>
 
 <file path=ppt/theme/theme2.xml><?xml version="1.0" encoding="utf-8"?>
-<a:theme xmlns:a="http://schemas.openxmlformats.org/drawingml/2006/main" xmlns:r="http://schemas.openxmlformats.org/officeDocument/2006/relationships" name="Plantilla de diseño de lexicón vertical">
+<a:theme xmlns:a="http://schemas.openxmlformats.org/drawingml/2006/main" name="Plantilla de diseño de lexicón vertical">
   <a:themeElements>
     <a:clrScheme name="Plantilla de diseño de lexicón vertical">
       <a:dk1>
@@ -5418,7 +5633,7 @@
         <a:effectLst/>
         <a:sp3d/>
       </a:spPr>
-      <a:bodyPr rot="0" spcFirstLastPara="1" vertOverflow="overflow" horzOverflow="overflow" vert="horz" wrap="square" lIns="45719" tIns="45719" rIns="45719" bIns="45719" numCol="1" spcCol="38100" rtlCol="0" anchor="ctr" upright="0">
+      <a:bodyPr rot="0" spcFirstLastPara="1" vertOverflow="overflow" horzOverflow="overflow" vert="horz" wrap="square" lIns="45719" tIns="45719" rIns="45719" bIns="45719" numCol="1" spcCol="38100" rtlCol="0" anchor="ctr">
         <a:spAutoFit/>
       </a:bodyPr>
       <a:lstStyle>
@@ -5437,7 +5652,7 @@
           <a:buFontTx/>
           <a:buNone/>
           <a:tabLst/>
-          <a:defRPr b="0" baseline="0" cap="none" i="0" spc="0" strike="noStrike" sz="1800" u="none" kumimoji="0" normalizeH="0">
+          <a:defRPr kumimoji="0" sz="1800" b="0" i="0" u="none" strike="noStrike" cap="none" spc="0" normalizeH="0" baseline="0">
             <a:ln>
               <a:noFill/>
             </a:ln>
@@ -5467,7 +5682,7 @@
           <a:buFontTx/>
           <a:buNone/>
           <a:tabLst/>
-          <a:defRPr b="0" baseline="0" cap="none" i="0" spc="0" strike="noStrike" sz="1800" u="none" kumimoji="0" normalizeH="0">
+          <a:defRPr kumimoji="0" sz="1800" b="0" i="0" u="none" strike="noStrike" cap="none" spc="0" normalizeH="0" baseline="0">
             <a:ln>
               <a:noFill/>
             </a:ln>
@@ -5493,7 +5708,7 @@
           <a:buFontTx/>
           <a:buNone/>
           <a:tabLst/>
-          <a:defRPr b="0" baseline="0" cap="none" i="0" spc="0" strike="noStrike" sz="1800" u="none" kumimoji="0" normalizeH="0">
+          <a:defRPr kumimoji="0" sz="1800" b="0" i="0" u="none" strike="noStrike" cap="none" spc="0" normalizeH="0" baseline="0">
             <a:ln>
               <a:noFill/>
             </a:ln>
@@ -5519,7 +5734,7 @@
           <a:buFontTx/>
           <a:buNone/>
           <a:tabLst/>
-          <a:defRPr b="0" baseline="0" cap="none" i="0" spc="0" strike="noStrike" sz="1800" u="none" kumimoji="0" normalizeH="0">
+          <a:defRPr kumimoji="0" sz="1800" b="0" i="0" u="none" strike="noStrike" cap="none" spc="0" normalizeH="0" baseline="0">
             <a:ln>
               <a:noFill/>
             </a:ln>
@@ -5545,7 +5760,7 @@
           <a:buFontTx/>
           <a:buNone/>
           <a:tabLst/>
-          <a:defRPr b="0" baseline="0" cap="none" i="0" spc="0" strike="noStrike" sz="1800" u="none" kumimoji="0" normalizeH="0">
+          <a:defRPr kumimoji="0" sz="1800" b="0" i="0" u="none" strike="noStrike" cap="none" spc="0" normalizeH="0" baseline="0">
             <a:ln>
               <a:noFill/>
             </a:ln>
@@ -5571,7 +5786,7 @@
           <a:buFontTx/>
           <a:buNone/>
           <a:tabLst/>
-          <a:defRPr b="0" baseline="0" cap="none" i="0" spc="0" strike="noStrike" sz="1800" u="none" kumimoji="0" normalizeH="0">
+          <a:defRPr kumimoji="0" sz="1800" b="0" i="0" u="none" strike="noStrike" cap="none" spc="0" normalizeH="0" baseline="0">
             <a:ln>
               <a:noFill/>
             </a:ln>
@@ -5597,7 +5812,7 @@
           <a:buFontTx/>
           <a:buNone/>
           <a:tabLst/>
-          <a:defRPr b="0" baseline="0" cap="none" i="0" spc="0" strike="noStrike" sz="1800" u="none" kumimoji="0" normalizeH="0">
+          <a:defRPr kumimoji="0" sz="1800" b="0" i="0" u="none" strike="noStrike" cap="none" spc="0" normalizeH="0" baseline="0">
             <a:ln>
               <a:noFill/>
             </a:ln>
@@ -5623,7 +5838,7 @@
           <a:buFontTx/>
           <a:buNone/>
           <a:tabLst/>
-          <a:defRPr b="0" baseline="0" cap="none" i="0" spc="0" strike="noStrike" sz="1800" u="none" kumimoji="0" normalizeH="0">
+          <a:defRPr kumimoji="0" sz="1800" b="0" i="0" u="none" strike="noStrike" cap="none" spc="0" normalizeH="0" baseline="0">
             <a:ln>
               <a:noFill/>
             </a:ln>
@@ -5649,7 +5864,7 @@
           <a:buFontTx/>
           <a:buNone/>
           <a:tabLst/>
-          <a:defRPr b="0" baseline="0" cap="none" i="0" spc="0" strike="noStrike" sz="1800" u="none" kumimoji="0" normalizeH="0">
+          <a:defRPr kumimoji="0" sz="1800" b="0" i="0" u="none" strike="noStrike" cap="none" spc="0" normalizeH="0" baseline="0">
             <a:ln>
               <a:noFill/>
             </a:ln>
@@ -5675,7 +5890,7 @@
           <a:buFontTx/>
           <a:buNone/>
           <a:tabLst/>
-          <a:defRPr b="0" baseline="0" cap="none" i="0" spc="0" strike="noStrike" sz="1800" u="none" kumimoji="0" normalizeH="0">
+          <a:defRPr kumimoji="0" sz="1800" b="0" i="0" u="none" strike="noStrike" cap="none" spc="0" normalizeH="0" baseline="0">
             <a:ln>
               <a:noFill/>
             </a:ln>
@@ -5688,9 +5903,15 @@
         </a:lvl9pPr>
       </a:lstStyle>
       <a:style>
-        <a:lnRef idx="0"/>
-        <a:fillRef idx="0"/>
-        <a:effectRef idx="0"/>
+        <a:lnRef idx="0">
+          <a:scrgbClr r="0" g="0" b="0"/>
+        </a:lnRef>
+        <a:fillRef idx="0">
+          <a:scrgbClr r="0" g="0" b="0"/>
+        </a:fillRef>
+        <a:effectRef idx="0">
+          <a:scrgbClr r="0" g="0" b="0"/>
+        </a:effectRef>
         <a:fontRef idx="none"/>
       </a:style>
     </a:spDef>
@@ -5707,7 +5928,7 @@
         <a:effectLst/>
         <a:sp3d/>
       </a:spPr>
-      <a:bodyPr rot="0" spcFirstLastPara="1" vertOverflow="overflow" horzOverflow="overflow" vert="horz" wrap="square" lIns="91439" tIns="45719" rIns="91439" bIns="45719" numCol="1" spcCol="38100" rtlCol="0" anchor="t" upright="0">
+      <a:bodyPr rot="0" spcFirstLastPara="1" vertOverflow="overflow" horzOverflow="overflow" vert="horz" wrap="square" lIns="91439" tIns="45719" rIns="91439" bIns="45719" numCol="1" spcCol="38100" rtlCol="0" anchor="t">
         <a:noAutofit/>
       </a:bodyPr>
       <a:lstStyle>
@@ -5726,7 +5947,7 @@
           <a:buFontTx/>
           <a:buNone/>
           <a:tabLst/>
-          <a:defRPr b="0" baseline="0" cap="none" i="0" spc="0" strike="noStrike" sz="1800" u="none" kumimoji="0" normalizeH="0">
+          <a:defRPr kumimoji="0" sz="1800" b="0" i="0" u="none" strike="noStrike" cap="none" spc="0" normalizeH="0" baseline="0">
             <a:ln>
               <a:noFill/>
             </a:ln>
@@ -5752,7 +5973,7 @@
           <a:buFontTx/>
           <a:buNone/>
           <a:tabLst/>
-          <a:defRPr b="0" baseline="0" cap="none" i="0" spc="0" strike="noStrike" sz="1800" u="none" kumimoji="0" normalizeH="0">
+          <a:defRPr kumimoji="0" sz="1800" b="0" i="0" u="none" strike="noStrike" cap="none" spc="0" normalizeH="0" baseline="0">
             <a:ln>
               <a:noFill/>
             </a:ln>
@@ -5778,7 +5999,7 @@
           <a:buFontTx/>
           <a:buNone/>
           <a:tabLst/>
-          <a:defRPr b="0" baseline="0" cap="none" i="0" spc="0" strike="noStrike" sz="1800" u="none" kumimoji="0" normalizeH="0">
+          <a:defRPr kumimoji="0" sz="1800" b="0" i="0" u="none" strike="noStrike" cap="none" spc="0" normalizeH="0" baseline="0">
             <a:ln>
               <a:noFill/>
             </a:ln>
@@ -5804,7 +6025,7 @@
           <a:buFontTx/>
           <a:buNone/>
           <a:tabLst/>
-          <a:defRPr b="0" baseline="0" cap="none" i="0" spc="0" strike="noStrike" sz="1800" u="none" kumimoji="0" normalizeH="0">
+          <a:defRPr kumimoji="0" sz="1800" b="0" i="0" u="none" strike="noStrike" cap="none" spc="0" normalizeH="0" baseline="0">
             <a:ln>
               <a:noFill/>
             </a:ln>
@@ -5830,7 +6051,7 @@
           <a:buFontTx/>
           <a:buNone/>
           <a:tabLst/>
-          <a:defRPr b="0" baseline="0" cap="none" i="0" spc="0" strike="noStrike" sz="1800" u="none" kumimoji="0" normalizeH="0">
+          <a:defRPr kumimoji="0" sz="1800" b="0" i="0" u="none" strike="noStrike" cap="none" spc="0" normalizeH="0" baseline="0">
             <a:ln>
               <a:noFill/>
             </a:ln>
@@ -5856,7 +6077,7 @@
           <a:buFontTx/>
           <a:buNone/>
           <a:tabLst/>
-          <a:defRPr b="0" baseline="0" cap="none" i="0" spc="0" strike="noStrike" sz="1800" u="none" kumimoji="0" normalizeH="0">
+          <a:defRPr kumimoji="0" sz="1800" b="0" i="0" u="none" strike="noStrike" cap="none" spc="0" normalizeH="0" baseline="0">
             <a:ln>
               <a:noFill/>
             </a:ln>
@@ -5882,7 +6103,7 @@
           <a:buFontTx/>
           <a:buNone/>
           <a:tabLst/>
-          <a:defRPr b="0" baseline="0" cap="none" i="0" spc="0" strike="noStrike" sz="1800" u="none" kumimoji="0" normalizeH="0">
+          <a:defRPr kumimoji="0" sz="1800" b="0" i="0" u="none" strike="noStrike" cap="none" spc="0" normalizeH="0" baseline="0">
             <a:ln>
               <a:noFill/>
             </a:ln>
@@ -5908,7 +6129,7 @@
           <a:buFontTx/>
           <a:buNone/>
           <a:tabLst/>
-          <a:defRPr b="0" baseline="0" cap="none" i="0" spc="0" strike="noStrike" sz="1800" u="none" kumimoji="0" normalizeH="0">
+          <a:defRPr kumimoji="0" sz="1800" b="0" i="0" u="none" strike="noStrike" cap="none" spc="0" normalizeH="0" baseline="0">
             <a:ln>
               <a:noFill/>
             </a:ln>
@@ -5934,7 +6155,7 @@
           <a:buFontTx/>
           <a:buNone/>
           <a:tabLst/>
-          <a:defRPr b="0" baseline="0" cap="none" i="0" spc="0" strike="noStrike" sz="1800" u="none" kumimoji="0" normalizeH="0">
+          <a:defRPr kumimoji="0" sz="1800" b="0" i="0" u="none" strike="noStrike" cap="none" spc="0" normalizeH="0" baseline="0">
             <a:ln>
               <a:noFill/>
             </a:ln>
@@ -5960,7 +6181,7 @@
           <a:buFontTx/>
           <a:buNone/>
           <a:tabLst/>
-          <a:defRPr b="0" baseline="0" cap="none" i="0" spc="0" strike="noStrike" sz="1800" u="none" kumimoji="0" normalizeH="0">
+          <a:defRPr kumimoji="0" sz="1800" b="0" i="0" u="none" strike="noStrike" cap="none" spc="0" normalizeH="0" baseline="0">
             <a:ln>
               <a:noFill/>
             </a:ln>
@@ -5973,9 +6194,15 @@
         </a:lvl9pPr>
       </a:lstStyle>
       <a:style>
-        <a:lnRef idx="0"/>
-        <a:fillRef idx="0"/>
-        <a:effectRef idx="0"/>
+        <a:lnRef idx="0">
+          <a:scrgbClr r="0" g="0" b="0"/>
+        </a:lnRef>
+        <a:fillRef idx="0">
+          <a:scrgbClr r="0" g="0" b="0"/>
+        </a:fillRef>
+        <a:effectRef idx="0">
+          <a:scrgbClr r="0" g="0" b="0"/>
+        </a:effectRef>
         <a:fontRef idx="none"/>
       </a:style>
     </a:lnDef>
@@ -5989,7 +6216,7 @@
         <a:effectLst/>
         <a:sp3d/>
       </a:spPr>
-      <a:bodyPr rot="0" spcFirstLastPara="1" vertOverflow="overflow" horzOverflow="overflow" vert="horz" wrap="square" lIns="45719" tIns="45719" rIns="45719" bIns="45719" numCol="1" spcCol="38100" rtlCol="0" anchor="t" upright="0">
+      <a:bodyPr rot="0" spcFirstLastPara="1" vertOverflow="overflow" horzOverflow="overflow" vert="horz" wrap="square" lIns="45719" tIns="45719" rIns="45719" bIns="45719" numCol="1" spcCol="38100" rtlCol="0" anchor="t">
         <a:spAutoFit/>
       </a:bodyPr>
       <a:lstStyle>
@@ -6008,7 +6235,7 @@
           <a:buFontTx/>
           <a:buNone/>
           <a:tabLst/>
-          <a:defRPr b="0" baseline="0" cap="none" i="0" spc="0" strike="noStrike" sz="1800" u="none" kumimoji="0" normalizeH="0">
+          <a:defRPr kumimoji="0" sz="1800" b="0" i="0" u="none" strike="noStrike" cap="none" spc="0" normalizeH="0" baseline="0">
             <a:ln>
               <a:noFill/>
             </a:ln>
@@ -6038,7 +6265,7 @@
           <a:buFontTx/>
           <a:buNone/>
           <a:tabLst/>
-          <a:defRPr b="0" baseline="0" cap="none" i="0" spc="0" strike="noStrike" sz="1800" u="none" kumimoji="0" normalizeH="0">
+          <a:defRPr kumimoji="0" sz="1800" b="0" i="0" u="none" strike="noStrike" cap="none" spc="0" normalizeH="0" baseline="0">
             <a:ln>
               <a:noFill/>
             </a:ln>
@@ -6064,7 +6291,7 @@
           <a:buFontTx/>
           <a:buNone/>
           <a:tabLst/>
-          <a:defRPr b="0" baseline="0" cap="none" i="0" spc="0" strike="noStrike" sz="1800" u="none" kumimoji="0" normalizeH="0">
+          <a:defRPr kumimoji="0" sz="1800" b="0" i="0" u="none" strike="noStrike" cap="none" spc="0" normalizeH="0" baseline="0">
             <a:ln>
               <a:noFill/>
             </a:ln>
@@ -6090,7 +6317,7 @@
           <a:buFontTx/>
           <a:buNone/>
           <a:tabLst/>
-          <a:defRPr b="0" baseline="0" cap="none" i="0" spc="0" strike="noStrike" sz="1800" u="none" kumimoji="0" normalizeH="0">
+          <a:defRPr kumimoji="0" sz="1800" b="0" i="0" u="none" strike="noStrike" cap="none" spc="0" normalizeH="0" baseline="0">
             <a:ln>
               <a:noFill/>
             </a:ln>
@@ -6116,7 +6343,7 @@
           <a:buFontTx/>
           <a:buNone/>
           <a:tabLst/>
-          <a:defRPr b="0" baseline="0" cap="none" i="0" spc="0" strike="noStrike" sz="1800" u="none" kumimoji="0" normalizeH="0">
+          <a:defRPr kumimoji="0" sz="1800" b="0" i="0" u="none" strike="noStrike" cap="none" spc="0" normalizeH="0" baseline="0">
             <a:ln>
               <a:noFill/>
             </a:ln>
@@ -6142,7 +6369,7 @@
           <a:buFontTx/>
           <a:buNone/>
           <a:tabLst/>
-          <a:defRPr b="0" baseline="0" cap="none" i="0" spc="0" strike="noStrike" sz="1800" u="none" kumimoji="0" normalizeH="0">
+          <a:defRPr kumimoji="0" sz="1800" b="0" i="0" u="none" strike="noStrike" cap="none" spc="0" normalizeH="0" baseline="0">
             <a:ln>
               <a:noFill/>
             </a:ln>
@@ -6168,7 +6395,7 @@
           <a:buFontTx/>
           <a:buNone/>
           <a:tabLst/>
-          <a:defRPr b="0" baseline="0" cap="none" i="0" spc="0" strike="noStrike" sz="1800" u="none" kumimoji="0" normalizeH="0">
+          <a:defRPr kumimoji="0" sz="1800" b="0" i="0" u="none" strike="noStrike" cap="none" spc="0" normalizeH="0" baseline="0">
             <a:ln>
               <a:noFill/>
             </a:ln>
@@ -6194,7 +6421,7 @@
           <a:buFontTx/>
           <a:buNone/>
           <a:tabLst/>
-          <a:defRPr b="0" baseline="0" cap="none" i="0" spc="0" strike="noStrike" sz="1800" u="none" kumimoji="0" normalizeH="0">
+          <a:defRPr kumimoji="0" sz="1800" b="0" i="0" u="none" strike="noStrike" cap="none" spc="0" normalizeH="0" baseline="0">
             <a:ln>
               <a:noFill/>
             </a:ln>
@@ -6220,7 +6447,7 @@
           <a:buFontTx/>
           <a:buNone/>
           <a:tabLst/>
-          <a:defRPr b="0" baseline="0" cap="none" i="0" spc="0" strike="noStrike" sz="1800" u="none" kumimoji="0" normalizeH="0">
+          <a:defRPr kumimoji="0" sz="1800" b="0" i="0" u="none" strike="noStrike" cap="none" spc="0" normalizeH="0" baseline="0">
             <a:ln>
               <a:noFill/>
             </a:ln>
@@ -6246,7 +6473,7 @@
           <a:buFontTx/>
           <a:buNone/>
           <a:tabLst/>
-          <a:defRPr b="0" baseline="0" cap="none" i="0" spc="0" strike="noStrike" sz="1800" u="none" kumimoji="0" normalizeH="0">
+          <a:defRPr kumimoji="0" sz="1800" b="0" i="0" u="none" strike="noStrike" cap="none" spc="0" normalizeH="0" baseline="0">
             <a:ln>
               <a:noFill/>
             </a:ln>
@@ -6259,12 +6486,19 @@
         </a:lvl9pPr>
       </a:lstStyle>
       <a:style>
-        <a:lnRef idx="0"/>
-        <a:fillRef idx="0"/>
-        <a:effectRef idx="0"/>
+        <a:lnRef idx="0">
+          <a:scrgbClr r="0" g="0" b="0"/>
+        </a:lnRef>
+        <a:fillRef idx="0">
+          <a:scrgbClr r="0" g="0" b="0"/>
+        </a:fillRef>
+        <a:effectRef idx="0">
+          <a:scrgbClr r="0" g="0" b="0"/>
+        </a:effectRef>
         <a:fontRef idx="none"/>
       </a:style>
     </a:txDef>
   </a:objectDefaults>
+  <a:extraClrSchemeLst/>
 </a:theme>
 </file>